--- a/vs. ASP.NET MVC/AzureMVC/Docker使用.pptx
+++ b/vs. ASP.NET MVC/AzureMVC/Docker使用.pptx
@@ -9,6 +9,9 @@
     <p:sldId id="257" r:id="rId3"/>
     <p:sldId id="258" r:id="rId4"/>
     <p:sldId id="259" r:id="rId5"/>
+    <p:sldId id="260" r:id="rId6"/>
+    <p:sldId id="261" r:id="rId7"/>
+    <p:sldId id="262" r:id="rId8"/>
   </p:sldIdLst>
   <p:sldSz cx="12192000" cy="6858000"/>
   <p:notesSz cx="6858000" cy="9144000"/>
@@ -107,6 +110,11 @@
       </a:defRPr>
     </a:lvl9pPr>
   </p:defaultTextStyle>
+  <p:extLst>
+    <p:ext uri="{EFAFB233-063F-42B5-8137-9DF3F51BA10A}">
+      <p15:sldGuideLst xmlns:p15="http://schemas.microsoft.com/office/powerpoint/2012/main"/>
+    </p:ext>
+  </p:extLst>
 </p:presentation>
 </file>
 
@@ -257,7 +265,7 @@
           <a:p>
             <a:fld id="{5111EC4D-867F-4DF8-B01A-90DBB6F00E8C}" type="datetimeFigureOut">
               <a:rPr lang="zh-TW" altLang="en-US" smtClean="0"/>
-              <a:t>2023/8/29</a:t>
+              <a:t>2023/9/9</a:t>
             </a:fld>
             <a:endParaRPr lang="zh-TW" altLang="en-US"/>
           </a:p>
@@ -455,7 +463,7 @@
           <a:p>
             <a:fld id="{5111EC4D-867F-4DF8-B01A-90DBB6F00E8C}" type="datetimeFigureOut">
               <a:rPr lang="zh-TW" altLang="en-US" smtClean="0"/>
-              <a:t>2023/8/29</a:t>
+              <a:t>2023/9/9</a:t>
             </a:fld>
             <a:endParaRPr lang="zh-TW" altLang="en-US"/>
           </a:p>
@@ -663,7 +671,7 @@
           <a:p>
             <a:fld id="{5111EC4D-867F-4DF8-B01A-90DBB6F00E8C}" type="datetimeFigureOut">
               <a:rPr lang="zh-TW" altLang="en-US" smtClean="0"/>
-              <a:t>2023/8/29</a:t>
+              <a:t>2023/9/9</a:t>
             </a:fld>
             <a:endParaRPr lang="zh-TW" altLang="en-US"/>
           </a:p>
@@ -861,7 +869,7 @@
           <a:p>
             <a:fld id="{5111EC4D-867F-4DF8-B01A-90DBB6F00E8C}" type="datetimeFigureOut">
               <a:rPr lang="zh-TW" altLang="en-US" smtClean="0"/>
-              <a:t>2023/8/29</a:t>
+              <a:t>2023/9/9</a:t>
             </a:fld>
             <a:endParaRPr lang="zh-TW" altLang="en-US"/>
           </a:p>
@@ -1136,7 +1144,7 @@
           <a:p>
             <a:fld id="{5111EC4D-867F-4DF8-B01A-90DBB6F00E8C}" type="datetimeFigureOut">
               <a:rPr lang="zh-TW" altLang="en-US" smtClean="0"/>
-              <a:t>2023/8/29</a:t>
+              <a:t>2023/9/9</a:t>
             </a:fld>
             <a:endParaRPr lang="zh-TW" altLang="en-US"/>
           </a:p>
@@ -1401,7 +1409,7 @@
           <a:p>
             <a:fld id="{5111EC4D-867F-4DF8-B01A-90DBB6F00E8C}" type="datetimeFigureOut">
               <a:rPr lang="zh-TW" altLang="en-US" smtClean="0"/>
-              <a:t>2023/8/29</a:t>
+              <a:t>2023/9/9</a:t>
             </a:fld>
             <a:endParaRPr lang="zh-TW" altLang="en-US"/>
           </a:p>
@@ -1813,7 +1821,7 @@
           <a:p>
             <a:fld id="{5111EC4D-867F-4DF8-B01A-90DBB6F00E8C}" type="datetimeFigureOut">
               <a:rPr lang="zh-TW" altLang="en-US" smtClean="0"/>
-              <a:t>2023/8/29</a:t>
+              <a:t>2023/9/9</a:t>
             </a:fld>
             <a:endParaRPr lang="zh-TW" altLang="en-US"/>
           </a:p>
@@ -1954,7 +1962,7 @@
           <a:p>
             <a:fld id="{5111EC4D-867F-4DF8-B01A-90DBB6F00E8C}" type="datetimeFigureOut">
               <a:rPr lang="zh-TW" altLang="en-US" smtClean="0"/>
-              <a:t>2023/8/29</a:t>
+              <a:t>2023/9/9</a:t>
             </a:fld>
             <a:endParaRPr lang="zh-TW" altLang="en-US"/>
           </a:p>
@@ -2067,7 +2075,7 @@
           <a:p>
             <a:fld id="{5111EC4D-867F-4DF8-B01A-90DBB6F00E8C}" type="datetimeFigureOut">
               <a:rPr lang="zh-TW" altLang="en-US" smtClean="0"/>
-              <a:t>2023/8/29</a:t>
+              <a:t>2023/9/9</a:t>
             </a:fld>
             <a:endParaRPr lang="zh-TW" altLang="en-US"/>
           </a:p>
@@ -2378,7 +2386,7 @@
           <a:p>
             <a:fld id="{5111EC4D-867F-4DF8-B01A-90DBB6F00E8C}" type="datetimeFigureOut">
               <a:rPr lang="zh-TW" altLang="en-US" smtClean="0"/>
-              <a:t>2023/8/29</a:t>
+              <a:t>2023/9/9</a:t>
             </a:fld>
             <a:endParaRPr lang="zh-TW" altLang="en-US"/>
           </a:p>
@@ -2666,7 +2674,7 @@
           <a:p>
             <a:fld id="{5111EC4D-867F-4DF8-B01A-90DBB6F00E8C}" type="datetimeFigureOut">
               <a:rPr lang="zh-TW" altLang="en-US" smtClean="0"/>
-              <a:t>2023/8/29</a:t>
+              <a:t>2023/9/9</a:t>
             </a:fld>
             <a:endParaRPr lang="zh-TW" altLang="en-US"/>
           </a:p>
@@ -2907,7 +2915,7 @@
           <a:p>
             <a:fld id="{5111EC4D-867F-4DF8-B01A-90DBB6F00E8C}" type="datetimeFigureOut">
               <a:rPr lang="zh-TW" altLang="en-US" smtClean="0"/>
-              <a:t>2023/8/29</a:t>
+              <a:t>2023/9/9</a:t>
             </a:fld>
             <a:endParaRPr lang="zh-TW" altLang="en-US"/>
           </a:p>
@@ -3403,6 +3411,90 @@
           </a:p>
         </p:txBody>
       </p:sp>
+      <p:sp>
+        <p:nvSpPr>
+          <p:cNvPr id="2" name="文字方塊 1">
+            <a:extLst>
+              <a:ext uri="{FF2B5EF4-FFF2-40B4-BE49-F238E27FC236}">
+                <a16:creationId xmlns:a16="http://schemas.microsoft.com/office/drawing/2014/main" id="{844D193E-63FC-A76D-87FB-4089E85FA5B1}"/>
+              </a:ext>
+            </a:extLst>
+          </p:cNvPr>
+          <p:cNvSpPr txBox="1"/>
+          <p:nvPr/>
+        </p:nvSpPr>
+        <p:spPr>
+          <a:xfrm>
+            <a:off x="436291" y="1906040"/>
+            <a:ext cx="10493298" cy="523220"/>
+          </a:xfrm>
+          <a:prstGeom prst="rect">
+            <a:avLst/>
+          </a:prstGeom>
+          <a:noFill/>
+        </p:spPr>
+        <p:txBody>
+          <a:bodyPr wrap="square" rtlCol="0">
+            <a:spAutoFit/>
+          </a:bodyPr>
+          <a:lstStyle/>
+          <a:p>
+            <a:r>
+              <a:rPr lang="zh-TW" altLang="en-US" sz="2800" b="1" dirty="0">
+                <a:solidFill>
+                  <a:srgbClr val="FF0000"/>
+                </a:solidFill>
+              </a:rPr>
+              <a:t>*</a:t>
+            </a:r>
+            <a:r>
+              <a:rPr lang="en-US" altLang="zh-TW" sz="2800" b="1" dirty="0">
+                <a:solidFill>
+                  <a:srgbClr val="FF0000"/>
+                </a:solidFill>
+              </a:rPr>
+              <a:t>*</a:t>
+            </a:r>
+            <a:r>
+              <a:rPr lang="zh-TW" altLang="en-US" sz="2800" b="1" dirty="0">
+                <a:solidFill>
+                  <a:srgbClr val="FF0000"/>
+                </a:solidFill>
+              </a:rPr>
+              <a:t>注意</a:t>
+            </a:r>
+            <a:r>
+              <a:rPr lang="en-US" altLang="zh-TW" sz="2800" b="1" dirty="0">
+                <a:solidFill>
+                  <a:srgbClr val="FF0000"/>
+                </a:solidFill>
+              </a:rPr>
+              <a:t>:Windows</a:t>
+            </a:r>
+            <a:r>
+              <a:rPr lang="zh-TW" altLang="en-US" sz="2800" b="1" dirty="0">
+                <a:solidFill>
+                  <a:srgbClr val="FF0000"/>
+                </a:solidFill>
+              </a:rPr>
+              <a:t>家庭版好像不支援用</a:t>
+            </a:r>
+            <a:r>
+              <a:rPr lang="en-US" altLang="zh-TW" sz="2800" b="1" dirty="0">
+                <a:solidFill>
+                  <a:srgbClr val="FF0000"/>
+                </a:solidFill>
+              </a:rPr>
+              <a:t>Docker</a:t>
+            </a:r>
+            <a:endParaRPr lang="zh-TW" altLang="en-US" sz="2800" b="1" dirty="0">
+              <a:solidFill>
+                <a:srgbClr val="FF0000"/>
+              </a:solidFill>
+            </a:endParaRPr>
+          </a:p>
+        </p:txBody>
+      </p:sp>
     </p:spTree>
     <p:extLst>
       <p:ext uri="{BB962C8B-B14F-4D97-AF65-F5344CB8AC3E}">
@@ -3471,7 +3563,7 @@
             </a:r>
             <a:r>
               <a:rPr lang="en-US" altLang="zh-TW" sz="2800" b="1" dirty="0"/>
-              <a:t>Docker Desktop (ex.4.22.1</a:t>
+              <a:t>Docker Desktop for Window(ex.4.22.1</a:t>
             </a:r>
             <a:r>
               <a:rPr lang="zh-TW" altLang="en-US" sz="2800" b="1" dirty="0"/>
@@ -3604,12 +3696,771 @@
           </a:p>
         </p:txBody>
       </p:sp>
+      <p:pic>
+        <p:nvPicPr>
+          <p:cNvPr id="12" name="圖片 11">
+            <a:extLst>
+              <a:ext uri="{FF2B5EF4-FFF2-40B4-BE49-F238E27FC236}">
+                <a16:creationId xmlns:a16="http://schemas.microsoft.com/office/drawing/2014/main" id="{A7946349-8253-1F35-4325-D1A2BBB7F937}"/>
+              </a:ext>
+            </a:extLst>
+          </p:cNvPr>
+          <p:cNvPicPr>
+            <a:picLocks noChangeAspect="1"/>
+          </p:cNvPicPr>
+          <p:nvPr/>
+        </p:nvPicPr>
+        <p:blipFill>
+          <a:blip r:embed="rId3"/>
+          <a:stretch>
+            <a:fillRect/>
+          </a:stretch>
+        </p:blipFill>
+        <p:spPr>
+          <a:xfrm>
+            <a:off x="564067" y="3662372"/>
+            <a:ext cx="9533289" cy="1894547"/>
+          </a:xfrm>
+          <a:prstGeom prst="rect">
+            <a:avLst/>
+          </a:prstGeom>
+        </p:spPr>
+      </p:pic>
+      <p:sp>
+        <p:nvSpPr>
+          <p:cNvPr id="13" name="矩形 12">
+            <a:extLst>
+              <a:ext uri="{FF2B5EF4-FFF2-40B4-BE49-F238E27FC236}">
+                <a16:creationId xmlns:a16="http://schemas.microsoft.com/office/drawing/2014/main" id="{9418CFB8-3E82-75AC-B989-0E04D0DFA884}"/>
+              </a:ext>
+            </a:extLst>
+          </p:cNvPr>
+          <p:cNvSpPr/>
+          <p:nvPr/>
+        </p:nvSpPr>
+        <p:spPr>
+          <a:xfrm>
+            <a:off x="3702207" y="4202404"/>
+            <a:ext cx="5709425" cy="791636"/>
+          </a:xfrm>
+          <a:prstGeom prst="rect">
+            <a:avLst/>
+          </a:prstGeom>
+          <a:noFill/>
+          <a:ln w="57150">
+            <a:solidFill>
+              <a:srgbClr val="C00000"/>
+            </a:solidFill>
+          </a:ln>
+        </p:spPr>
+        <p:style>
+          <a:lnRef idx="2">
+            <a:schemeClr val="accent1">
+              <a:shade val="15000"/>
+            </a:schemeClr>
+          </a:lnRef>
+          <a:fillRef idx="1">
+            <a:schemeClr val="accent1"/>
+          </a:fillRef>
+          <a:effectRef idx="0">
+            <a:schemeClr val="accent1"/>
+          </a:effectRef>
+          <a:fontRef idx="minor">
+            <a:schemeClr val="lt1"/>
+          </a:fontRef>
+        </p:style>
+        <p:txBody>
+          <a:bodyPr rtlCol="0" anchor="ctr"/>
+          <a:lstStyle/>
+          <a:p>
+            <a:pPr algn="ctr"/>
+            <a:endParaRPr lang="zh-TW" altLang="en-US"/>
+          </a:p>
+        </p:txBody>
+      </p:sp>
+    </p:spTree>
+    <p:extLst>
+      <p:ext uri="{BB962C8B-B14F-4D97-AF65-F5344CB8AC3E}">
+        <p14:creationId xmlns:p14="http://schemas.microsoft.com/office/powerpoint/2010/main" val="2751229632"/>
+      </p:ext>
+    </p:extLst>
+  </p:cSld>
+  <p:clrMapOvr>
+    <a:masterClrMapping/>
+  </p:clrMapOvr>
+</p:sld>
+</file>
+
+<file path=ppt/slides/slide3.xml><?xml version="1.0" encoding="utf-8"?>
+<p:sld xmlns:a="http://schemas.openxmlformats.org/drawingml/2006/main" xmlns:r="http://schemas.openxmlformats.org/officeDocument/2006/relationships" xmlns:p="http://schemas.openxmlformats.org/presentationml/2006/main">
+  <p:cSld>
+    <p:spTree>
+      <p:nvGrpSpPr>
+        <p:cNvPr id="1" name=""/>
+        <p:cNvGrpSpPr/>
+        <p:nvPr/>
+      </p:nvGrpSpPr>
+      <p:grpSpPr>
+        <a:xfrm>
+          <a:off x="0" y="0"/>
+          <a:ext cx="0" cy="0"/>
+          <a:chOff x="0" y="0"/>
+          <a:chExt cx="0" cy="0"/>
+        </a:xfrm>
+      </p:grpSpPr>
+      <p:pic>
+        <p:nvPicPr>
+          <p:cNvPr id="3" name="圖片 2">
+            <a:extLst>
+              <a:ext uri="{FF2B5EF4-FFF2-40B4-BE49-F238E27FC236}">
+                <a16:creationId xmlns:a16="http://schemas.microsoft.com/office/drawing/2014/main" id="{4660F17A-190F-B97A-A55C-49698ECF3F4A}"/>
+              </a:ext>
+            </a:extLst>
+          </p:cNvPr>
+          <p:cNvPicPr>
+            <a:picLocks noChangeAspect="1"/>
+          </p:cNvPicPr>
+          <p:nvPr/>
+        </p:nvPicPr>
+        <p:blipFill>
+          <a:blip r:embed="rId2"/>
+          <a:stretch>
+            <a:fillRect/>
+          </a:stretch>
+        </p:blipFill>
+        <p:spPr>
+          <a:xfrm>
+            <a:off x="535257" y="2663985"/>
+            <a:ext cx="5458890" cy="3391127"/>
+          </a:xfrm>
+          <a:prstGeom prst="rect">
+            <a:avLst/>
+          </a:prstGeom>
+        </p:spPr>
+      </p:pic>
+      <p:sp>
+        <p:nvSpPr>
+          <p:cNvPr id="4" name="文字方塊 3">
+            <a:extLst>
+              <a:ext uri="{FF2B5EF4-FFF2-40B4-BE49-F238E27FC236}">
+                <a16:creationId xmlns:a16="http://schemas.microsoft.com/office/drawing/2014/main" id="{5BEA044B-BC62-CEB1-C3FD-1B24A6889E75}"/>
+              </a:ext>
+            </a:extLst>
+          </p:cNvPr>
+          <p:cNvSpPr txBox="1"/>
+          <p:nvPr/>
+        </p:nvSpPr>
+        <p:spPr>
+          <a:xfrm>
+            <a:off x="379141" y="602164"/>
+            <a:ext cx="10493298" cy="523220"/>
+          </a:xfrm>
+          <a:prstGeom prst="rect">
+            <a:avLst/>
+          </a:prstGeom>
+          <a:noFill/>
+        </p:spPr>
+        <p:txBody>
+          <a:bodyPr wrap="square" rtlCol="0">
+            <a:spAutoFit/>
+          </a:bodyPr>
+          <a:lstStyle/>
+          <a:p>
+            <a:r>
+              <a:rPr lang="zh-TW" altLang="en-US" sz="2800" b="1" dirty="0">
+                <a:solidFill>
+                  <a:srgbClr val="FF0000"/>
+                </a:solidFill>
+              </a:rPr>
+              <a:t>*</a:t>
+            </a:r>
+            <a:r>
+              <a:rPr lang="en-US" altLang="zh-TW" sz="2800" b="1" dirty="0">
+                <a:solidFill>
+                  <a:srgbClr val="FF0000"/>
+                </a:solidFill>
+              </a:rPr>
+              <a:t>*</a:t>
+            </a:r>
+            <a:r>
+              <a:rPr lang="zh-TW" altLang="en-US" sz="2800" b="1" dirty="0">
+                <a:solidFill>
+                  <a:srgbClr val="FF0000"/>
+                </a:solidFill>
+              </a:rPr>
+              <a:t>注意</a:t>
+            </a:r>
+            <a:r>
+              <a:rPr lang="en-US" altLang="zh-TW" sz="2800" b="1" dirty="0">
+                <a:solidFill>
+                  <a:srgbClr val="FF0000"/>
+                </a:solidFill>
+              </a:rPr>
+              <a:t>:</a:t>
+            </a:r>
+            <a:r>
+              <a:rPr lang="zh-TW" altLang="en-US" sz="2800" b="1" dirty="0">
+                <a:solidFill>
+                  <a:srgbClr val="FF0000"/>
+                </a:solidFill>
+              </a:rPr>
+              <a:t>家庭版不內鍵</a:t>
+            </a:r>
+            <a:r>
+              <a:rPr lang="en-US" altLang="zh-TW" sz="2800" b="1" dirty="0">
+                <a:solidFill>
+                  <a:srgbClr val="FF0000"/>
+                </a:solidFill>
+              </a:rPr>
+              <a:t>Hyper-V</a:t>
+            </a:r>
+            <a:r>
+              <a:rPr lang="zh-TW" altLang="en-US" sz="2800" b="1" dirty="0">
+                <a:solidFill>
+                  <a:srgbClr val="FF0000"/>
+                </a:solidFill>
+              </a:rPr>
+              <a:t>需要自行安裝</a:t>
+            </a:r>
+          </a:p>
+        </p:txBody>
+      </p:sp>
+      <p:sp>
+        <p:nvSpPr>
+          <p:cNvPr id="6" name="文字方塊 5">
+            <a:extLst>
+              <a:ext uri="{FF2B5EF4-FFF2-40B4-BE49-F238E27FC236}">
+                <a16:creationId xmlns:a16="http://schemas.microsoft.com/office/drawing/2014/main" id="{7EBC3B67-8CB9-6481-AC6C-91DDA8A0722A}"/>
+              </a:ext>
+            </a:extLst>
+          </p:cNvPr>
+          <p:cNvSpPr txBox="1"/>
+          <p:nvPr/>
+        </p:nvSpPr>
+        <p:spPr>
+          <a:xfrm>
+            <a:off x="535257" y="1125384"/>
+            <a:ext cx="9601201" cy="369332"/>
+          </a:xfrm>
+          <a:prstGeom prst="rect">
+            <a:avLst/>
+          </a:prstGeom>
+          <a:noFill/>
+        </p:spPr>
+        <p:txBody>
+          <a:bodyPr wrap="square">
+            <a:spAutoFit/>
+          </a:bodyPr>
+          <a:lstStyle/>
+          <a:p>
+            <a:r>
+              <a:rPr lang="zh-TW" altLang="en-US" dirty="0">
+                <a:hlinkClick r:id="rId3"/>
+              </a:rPr>
+              <a:t>https://ouch1978.github.io/blog/2022/08/15/enable-hyper-v-on-windows-11-home</a:t>
+            </a:r>
+            <a:r>
+              <a:rPr lang="zh-TW" altLang="en-US" dirty="0"/>
+              <a:t> </a:t>
+            </a:r>
+          </a:p>
+        </p:txBody>
+      </p:sp>
+      <p:sp>
+        <p:nvSpPr>
+          <p:cNvPr id="7" name="文字方塊 6">
+            <a:extLst>
+              <a:ext uri="{FF2B5EF4-FFF2-40B4-BE49-F238E27FC236}">
+                <a16:creationId xmlns:a16="http://schemas.microsoft.com/office/drawing/2014/main" id="{F9A9C5EE-CDD5-60DD-C471-3CA18A51B444}"/>
+              </a:ext>
+            </a:extLst>
+          </p:cNvPr>
+          <p:cNvSpPr txBox="1"/>
+          <p:nvPr/>
+        </p:nvSpPr>
+        <p:spPr>
+          <a:xfrm>
+            <a:off x="379141" y="1869477"/>
+            <a:ext cx="10772078" cy="707886"/>
+          </a:xfrm>
+          <a:prstGeom prst="rect">
+            <a:avLst/>
+          </a:prstGeom>
+          <a:noFill/>
+        </p:spPr>
+        <p:txBody>
+          <a:bodyPr wrap="square" rtlCol="0">
+            <a:spAutoFit/>
+          </a:bodyPr>
+          <a:lstStyle>
+            <a:defPPr>
+              <a:defRPr lang="zh-TW"/>
+            </a:defPPr>
+            <a:lvl1pPr>
+              <a:defRPr sz="2800" b="1"/>
+            </a:lvl1pPr>
+          </a:lstStyle>
+          <a:p>
+            <a:r>
+              <a:rPr lang="en-US" altLang="zh-TW" sz="2000" dirty="0"/>
+              <a:t>Step3.</a:t>
+            </a:r>
+            <a:r>
+              <a:rPr lang="zh-TW" altLang="en-US" sz="2000" dirty="0"/>
+              <a:t> 控制台 </a:t>
+            </a:r>
+            <a:r>
+              <a:rPr lang="en-US" altLang="zh-TW" sz="2000" dirty="0"/>
+              <a:t>&gt; </a:t>
+            </a:r>
+            <a:r>
+              <a:rPr lang="zh-TW" altLang="en-US" sz="2000" dirty="0"/>
+              <a:t>程式集 </a:t>
+            </a:r>
+            <a:r>
+              <a:rPr lang="en-US" altLang="zh-TW" sz="2000" dirty="0"/>
+              <a:t>&gt;</a:t>
+            </a:r>
+            <a:r>
+              <a:rPr lang="zh-TW" altLang="en-US" sz="2000" dirty="0"/>
+              <a:t> 程式和功能 </a:t>
+            </a:r>
+            <a:r>
+              <a:rPr lang="en-US" altLang="zh-TW" sz="2000" dirty="0"/>
+              <a:t>&gt;</a:t>
+            </a:r>
+            <a:r>
+              <a:rPr lang="zh-TW" altLang="en-US" sz="2000" dirty="0"/>
+              <a:t> 開啟或關閉</a:t>
+            </a:r>
+            <a:r>
+              <a:rPr lang="en-US" altLang="zh-TW" sz="2000" dirty="0"/>
+              <a:t>Windows</a:t>
+            </a:r>
+            <a:r>
+              <a:rPr lang="zh-TW" altLang="en-US" sz="2000" dirty="0"/>
+              <a:t>功能 </a:t>
+            </a:r>
+            <a:r>
+              <a:rPr lang="en-US" altLang="zh-TW" sz="2000" dirty="0"/>
+              <a:t>&gt;</a:t>
+            </a:r>
+            <a:r>
+              <a:rPr lang="zh-TW" altLang="en-US" sz="2000" dirty="0"/>
+              <a:t>打勾</a:t>
+            </a:r>
+            <a:r>
+              <a:rPr lang="en-US" altLang="zh-TW" sz="2000" dirty="0"/>
+              <a:t>”Hyper-V”</a:t>
+            </a:r>
+            <a:r>
+              <a:rPr lang="zh-TW" altLang="en-US" sz="2000" dirty="0"/>
+              <a:t>、</a:t>
+            </a:r>
+            <a:r>
+              <a:rPr lang="en-US" altLang="zh-TW" sz="2000" dirty="0"/>
+              <a:t>”Windows Hypervisor</a:t>
+            </a:r>
+            <a:r>
+              <a:rPr lang="zh-TW" altLang="en-US" sz="2000" dirty="0"/>
+              <a:t>平台、</a:t>
+            </a:r>
+            <a:r>
+              <a:rPr lang="en-US" altLang="zh-TW" sz="2000" dirty="0"/>
+              <a:t>”</a:t>
+            </a:r>
+            <a:r>
+              <a:rPr lang="zh-TW" altLang="en-US" sz="2000" dirty="0"/>
+              <a:t>虛擬機器平台</a:t>
+            </a:r>
+            <a:r>
+              <a:rPr lang="en-US" altLang="zh-TW" sz="2000" dirty="0"/>
+              <a:t>”</a:t>
+            </a:r>
+          </a:p>
+        </p:txBody>
+      </p:sp>
+      <p:pic>
+        <p:nvPicPr>
+          <p:cNvPr id="5" name="圖片 4">
+            <a:extLst>
+              <a:ext uri="{FF2B5EF4-FFF2-40B4-BE49-F238E27FC236}">
+                <a16:creationId xmlns:a16="http://schemas.microsoft.com/office/drawing/2014/main" id="{35824A57-D519-D49F-752C-F83FDAB47ABE}"/>
+              </a:ext>
+            </a:extLst>
+          </p:cNvPr>
+          <p:cNvPicPr>
+            <a:picLocks noChangeAspect="1"/>
+          </p:cNvPicPr>
+          <p:nvPr/>
+        </p:nvPicPr>
+        <p:blipFill>
+          <a:blip r:embed="rId4"/>
+          <a:stretch>
+            <a:fillRect/>
+          </a:stretch>
+        </p:blipFill>
+        <p:spPr>
+          <a:xfrm>
+            <a:off x="6096000" y="3324225"/>
+            <a:ext cx="5977112" cy="504825"/>
+          </a:xfrm>
+          <a:prstGeom prst="rect">
+            <a:avLst/>
+          </a:prstGeom>
+        </p:spPr>
+      </p:pic>
+      <p:pic>
+        <p:nvPicPr>
+          <p:cNvPr id="9" name="圖片 8">
+            <a:extLst>
+              <a:ext uri="{FF2B5EF4-FFF2-40B4-BE49-F238E27FC236}">
+                <a16:creationId xmlns:a16="http://schemas.microsoft.com/office/drawing/2014/main" id="{93B19C04-5001-7570-DDA7-7E4FEA056743}"/>
+              </a:ext>
+            </a:extLst>
+          </p:cNvPr>
+          <p:cNvPicPr>
+            <a:picLocks noChangeAspect="1"/>
+          </p:cNvPicPr>
+          <p:nvPr/>
+        </p:nvPicPr>
+        <p:blipFill>
+          <a:blip r:embed="rId5"/>
+          <a:stretch>
+            <a:fillRect/>
+          </a:stretch>
+        </p:blipFill>
+        <p:spPr>
+          <a:xfrm>
+            <a:off x="6344718" y="4198608"/>
+            <a:ext cx="5024179" cy="963942"/>
+          </a:xfrm>
+          <a:prstGeom prst="rect">
+            <a:avLst/>
+          </a:prstGeom>
+        </p:spPr>
+      </p:pic>
+    </p:spTree>
+    <p:extLst>
+      <p:ext uri="{BB962C8B-B14F-4D97-AF65-F5344CB8AC3E}">
+        <p14:creationId xmlns:p14="http://schemas.microsoft.com/office/powerpoint/2010/main" val="1542147233"/>
+      </p:ext>
+    </p:extLst>
+  </p:cSld>
+  <p:clrMapOvr>
+    <a:masterClrMapping/>
+  </p:clrMapOvr>
+</p:sld>
+</file>
+
+<file path=ppt/slides/slide4.xml><?xml version="1.0" encoding="utf-8"?>
+<p:sld xmlns:a="http://schemas.openxmlformats.org/drawingml/2006/main" xmlns:r="http://schemas.openxmlformats.org/officeDocument/2006/relationships" xmlns:p="http://schemas.openxmlformats.org/presentationml/2006/main">
+  <p:cSld>
+    <p:spTree>
+      <p:nvGrpSpPr>
+        <p:cNvPr id="1" name=""/>
+        <p:cNvGrpSpPr/>
+        <p:nvPr/>
+      </p:nvGrpSpPr>
+      <p:grpSpPr>
+        <a:xfrm>
+          <a:off x="0" y="0"/>
+          <a:ext cx="0" cy="0"/>
+          <a:chOff x="0" y="0"/>
+          <a:chExt cx="0" cy="0"/>
+        </a:xfrm>
+      </p:grpSpPr>
+      <p:sp>
+        <p:nvSpPr>
+          <p:cNvPr id="5" name="文字方塊 4">
+            <a:extLst>
+              <a:ext uri="{FF2B5EF4-FFF2-40B4-BE49-F238E27FC236}">
+                <a16:creationId xmlns:a16="http://schemas.microsoft.com/office/drawing/2014/main" id="{B7C65B47-FDCB-E4D4-E990-6E47D70F707C}"/>
+              </a:ext>
+            </a:extLst>
+          </p:cNvPr>
+          <p:cNvSpPr txBox="1"/>
+          <p:nvPr/>
+        </p:nvSpPr>
+        <p:spPr>
+          <a:xfrm>
+            <a:off x="379011" y="1074331"/>
+            <a:ext cx="9631764" cy="400110"/>
+          </a:xfrm>
+          <a:prstGeom prst="rect">
+            <a:avLst/>
+          </a:prstGeom>
+          <a:noFill/>
+        </p:spPr>
+        <p:txBody>
+          <a:bodyPr wrap="square" rtlCol="0">
+            <a:spAutoFit/>
+          </a:bodyPr>
+          <a:lstStyle>
+            <a:defPPr>
+              <a:defRPr lang="zh-TW"/>
+            </a:defPPr>
+            <a:lvl1pPr>
+              <a:defRPr sz="2000" b="1"/>
+            </a:lvl1pPr>
+          </a:lstStyle>
+          <a:p>
+            <a:r>
+              <a:rPr lang="en-US" altLang="zh-TW" dirty="0">
+                <a:sym typeface="Wingdings" panose="05000000000000000000" pitchFamily="2" charset="2"/>
+              </a:rPr>
+              <a:t> </a:t>
+            </a:r>
+            <a:r>
+              <a:rPr lang="en-US" altLang="zh-TW" dirty="0"/>
+              <a:t>Asp.net </a:t>
+            </a:r>
+            <a:r>
+              <a:rPr lang="en-US" altLang="zh-TW" dirty="0" err="1"/>
+              <a:t>mvc</a:t>
+            </a:r>
+            <a:r>
+              <a:rPr lang="en-US" altLang="zh-TW" dirty="0"/>
+              <a:t> </a:t>
+            </a:r>
+            <a:r>
+              <a:rPr lang="zh-TW" altLang="en-US" dirty="0"/>
+              <a:t>當建立專案時，勾選</a:t>
+            </a:r>
+            <a:r>
+              <a:rPr lang="en-US" altLang="zh-TW" dirty="0"/>
+              <a:t>”Docker </a:t>
+            </a:r>
+            <a:r>
+              <a:rPr lang="zh-TW" altLang="en-US" dirty="0"/>
+              <a:t>支援</a:t>
+            </a:r>
+            <a:r>
+              <a:rPr lang="en-US" altLang="zh-TW" dirty="0"/>
+              <a:t>”</a:t>
+            </a:r>
+            <a:r>
+              <a:rPr lang="zh-TW" altLang="en-US" dirty="0"/>
+              <a:t>，就會自動產生</a:t>
+            </a:r>
+            <a:r>
+              <a:rPr lang="en-US" altLang="zh-TW" dirty="0"/>
+              <a:t>”Docker file”</a:t>
+            </a:r>
+            <a:endParaRPr lang="zh-TW" altLang="en-US" dirty="0"/>
+          </a:p>
+        </p:txBody>
+      </p:sp>
+      <p:pic>
+        <p:nvPicPr>
+          <p:cNvPr id="7" name="圖片 6">
+            <a:extLst>
+              <a:ext uri="{FF2B5EF4-FFF2-40B4-BE49-F238E27FC236}">
+                <a16:creationId xmlns:a16="http://schemas.microsoft.com/office/drawing/2014/main" id="{227D240B-7DD9-CD16-C1C8-7267278B65AB}"/>
+              </a:ext>
+            </a:extLst>
+          </p:cNvPr>
+          <p:cNvPicPr>
+            <a:picLocks noChangeAspect="1"/>
+          </p:cNvPicPr>
+          <p:nvPr/>
+        </p:nvPicPr>
+        <p:blipFill>
+          <a:blip r:embed="rId2"/>
+          <a:stretch>
+            <a:fillRect/>
+          </a:stretch>
+        </p:blipFill>
+        <p:spPr>
+          <a:xfrm>
+            <a:off x="388536" y="1990093"/>
+            <a:ext cx="2212305" cy="1438977"/>
+          </a:xfrm>
+          <a:prstGeom prst="rect">
+            <a:avLst/>
+          </a:prstGeom>
+        </p:spPr>
+      </p:pic>
+      <p:pic>
+        <p:nvPicPr>
+          <p:cNvPr id="9" name="圖片 8">
+            <a:extLst>
+              <a:ext uri="{FF2B5EF4-FFF2-40B4-BE49-F238E27FC236}">
+                <a16:creationId xmlns:a16="http://schemas.microsoft.com/office/drawing/2014/main" id="{03AB7107-FE4E-544E-A54B-0138CAD47D7D}"/>
+              </a:ext>
+            </a:extLst>
+          </p:cNvPr>
+          <p:cNvPicPr>
+            <a:picLocks noChangeAspect="1"/>
+          </p:cNvPicPr>
+          <p:nvPr/>
+        </p:nvPicPr>
+        <p:blipFill>
+          <a:blip r:embed="rId3"/>
+          <a:stretch>
+            <a:fillRect/>
+          </a:stretch>
+        </p:blipFill>
+        <p:spPr>
+          <a:xfrm>
+            <a:off x="4962264" y="1917523"/>
+            <a:ext cx="6020322" cy="1577477"/>
+          </a:xfrm>
+          <a:prstGeom prst="rect">
+            <a:avLst/>
+          </a:prstGeom>
+        </p:spPr>
+      </p:pic>
+      <p:sp>
+        <p:nvSpPr>
+          <p:cNvPr id="10" name="箭號: 向右 9">
+            <a:extLst>
+              <a:ext uri="{FF2B5EF4-FFF2-40B4-BE49-F238E27FC236}">
+                <a16:creationId xmlns:a16="http://schemas.microsoft.com/office/drawing/2014/main" id="{B93046D1-1722-8A04-77FE-7D8F5F12739D}"/>
+              </a:ext>
+            </a:extLst>
+          </p:cNvPr>
+          <p:cNvSpPr/>
+          <p:nvPr/>
+        </p:nvSpPr>
+        <p:spPr>
+          <a:xfrm>
+            <a:off x="2867024" y="2508668"/>
+            <a:ext cx="1781175" cy="628650"/>
+          </a:xfrm>
+          <a:prstGeom prst="rightArrow">
+            <a:avLst/>
+          </a:prstGeom>
+        </p:spPr>
+        <p:style>
+          <a:lnRef idx="2">
+            <a:schemeClr val="accent1">
+              <a:shade val="15000"/>
+            </a:schemeClr>
+          </a:lnRef>
+          <a:fillRef idx="1">
+            <a:schemeClr val="accent1"/>
+          </a:fillRef>
+          <a:effectRef idx="0">
+            <a:schemeClr val="accent1"/>
+          </a:effectRef>
+          <a:fontRef idx="minor">
+            <a:schemeClr val="lt1"/>
+          </a:fontRef>
+        </p:style>
+        <p:txBody>
+          <a:bodyPr rtlCol="0" anchor="ctr"/>
+          <a:lstStyle/>
+          <a:p>
+            <a:pPr algn="ctr"/>
+            <a:endParaRPr lang="zh-TW" altLang="en-US"/>
+          </a:p>
+        </p:txBody>
+      </p:sp>
+      <p:sp>
+        <p:nvSpPr>
+          <p:cNvPr id="11" name="文字方塊 10">
+            <a:extLst>
+              <a:ext uri="{FF2B5EF4-FFF2-40B4-BE49-F238E27FC236}">
+                <a16:creationId xmlns:a16="http://schemas.microsoft.com/office/drawing/2014/main" id="{2F53DCE7-6BFC-D365-CD3A-FC7A31DDD9E3}"/>
+              </a:ext>
+            </a:extLst>
+          </p:cNvPr>
+          <p:cNvSpPr txBox="1"/>
+          <p:nvPr/>
+        </p:nvSpPr>
+        <p:spPr>
+          <a:xfrm>
+            <a:off x="379011" y="530434"/>
+            <a:ext cx="8486775" cy="369332"/>
+          </a:xfrm>
+          <a:prstGeom prst="rect">
+            <a:avLst/>
+          </a:prstGeom>
+          <a:noFill/>
+        </p:spPr>
+        <p:txBody>
+          <a:bodyPr wrap="square" rtlCol="0">
+            <a:spAutoFit/>
+          </a:bodyPr>
+          <a:lstStyle>
+            <a:defPPr>
+              <a:defRPr lang="zh-TW"/>
+            </a:defPPr>
+            <a:lvl1pPr>
+              <a:defRPr sz="2000" b="1"/>
+            </a:lvl1pPr>
+          </a:lstStyle>
+          <a:p>
+            <a:r>
+              <a:rPr lang="en-US" altLang="zh-TW" dirty="0"/>
+              <a:t>Step4. </a:t>
+            </a:r>
+            <a:r>
+              <a:rPr lang="zh-TW" altLang="en-US" dirty="0"/>
+              <a:t>建立專案</a:t>
+            </a:r>
+          </a:p>
+        </p:txBody>
+      </p:sp>
+      <p:sp>
+        <p:nvSpPr>
+          <p:cNvPr id="12" name="矩形 11">
+            <a:extLst>
+              <a:ext uri="{FF2B5EF4-FFF2-40B4-BE49-F238E27FC236}">
+                <a16:creationId xmlns:a16="http://schemas.microsoft.com/office/drawing/2014/main" id="{86D7529E-802C-BB8C-7A42-0CDB6304F06A}"/>
+              </a:ext>
+            </a:extLst>
+          </p:cNvPr>
+          <p:cNvSpPr/>
+          <p:nvPr/>
+        </p:nvSpPr>
+        <p:spPr>
+          <a:xfrm>
+            <a:off x="442126" y="2819102"/>
+            <a:ext cx="1491449" cy="318216"/>
+          </a:xfrm>
+          <a:prstGeom prst="rect">
+            <a:avLst/>
+          </a:prstGeom>
+          <a:noFill/>
+          <a:ln w="57150">
+            <a:solidFill>
+              <a:srgbClr val="C00000"/>
+            </a:solidFill>
+          </a:ln>
+        </p:spPr>
+        <p:style>
+          <a:lnRef idx="2">
+            <a:schemeClr val="accent1">
+              <a:shade val="15000"/>
+            </a:schemeClr>
+          </a:lnRef>
+          <a:fillRef idx="1">
+            <a:schemeClr val="accent1"/>
+          </a:fillRef>
+          <a:effectRef idx="0">
+            <a:schemeClr val="accent1"/>
+          </a:effectRef>
+          <a:fontRef idx="minor">
+            <a:schemeClr val="lt1"/>
+          </a:fontRef>
+        </p:style>
+        <p:txBody>
+          <a:bodyPr rtlCol="0" anchor="ctr"/>
+          <a:lstStyle/>
+          <a:p>
+            <a:pPr algn="ctr"/>
+            <a:endParaRPr lang="zh-TW" altLang="en-US"/>
+          </a:p>
+        </p:txBody>
+      </p:sp>
       <p:grpSp>
         <p:nvGrpSpPr>
-          <p:cNvPr id="9" name="群組 8">
-            <a:extLst>
-              <a:ext uri="{FF2B5EF4-FFF2-40B4-BE49-F238E27FC236}">
-                <a16:creationId xmlns:a16="http://schemas.microsoft.com/office/drawing/2014/main" id="{06598DF5-CCFC-4916-C6B2-DB00B9F78396}"/>
+          <p:cNvPr id="17" name="群組 16">
+            <a:extLst>
+              <a:ext uri="{FF2B5EF4-FFF2-40B4-BE49-F238E27FC236}">
+                <a16:creationId xmlns:a16="http://schemas.microsoft.com/office/drawing/2014/main" id="{6CB51B67-3676-BCC8-BF57-2E3A2013730C}"/>
               </a:ext>
             </a:extLst>
           </p:cNvPr>
@@ -3618,18 +4469,18 @@
         </p:nvGrpSpPr>
         <p:grpSpPr>
           <a:xfrm>
-            <a:off x="680226" y="3568446"/>
-            <a:ext cx="9060965" cy="1775614"/>
-            <a:chOff x="662568" y="3029452"/>
-            <a:chExt cx="9060965" cy="1775614"/>
+            <a:off x="330857" y="4564562"/>
+            <a:ext cx="5868308" cy="1380097"/>
+            <a:chOff x="464736" y="5025876"/>
+            <a:chExt cx="3856054" cy="906859"/>
           </a:xfrm>
         </p:grpSpPr>
         <p:pic>
           <p:nvPicPr>
-            <p:cNvPr id="6" name="圖片 5">
+            <p:cNvPr id="4" name="圖片 3">
               <a:extLst>
                 <a:ext uri="{FF2B5EF4-FFF2-40B4-BE49-F238E27FC236}">
-                  <a16:creationId xmlns:a16="http://schemas.microsoft.com/office/drawing/2014/main" id="{9F0A0813-02D1-920E-8C5D-85B1458DE552}"/>
+                  <a16:creationId xmlns:a16="http://schemas.microsoft.com/office/drawing/2014/main" id="{88C8E77B-A455-5667-B0FC-9352CF2693E4}"/>
                 </a:ext>
               </a:extLst>
             </p:cNvPr>
@@ -3639,15 +4490,15 @@
             <p:nvPr/>
           </p:nvPicPr>
           <p:blipFill>
-            <a:blip r:embed="rId3"/>
+            <a:blip r:embed="rId4"/>
             <a:stretch>
               <a:fillRect/>
             </a:stretch>
           </p:blipFill>
           <p:spPr>
             <a:xfrm>
-              <a:off x="662568" y="3029452"/>
-              <a:ext cx="9060965" cy="1775614"/>
+              <a:off x="464736" y="5025876"/>
+              <a:ext cx="3856054" cy="906859"/>
             </a:xfrm>
             <a:prstGeom prst="rect">
               <a:avLst/>
@@ -3656,10 +4507,10 @@
         </p:pic>
         <p:sp>
           <p:nvSpPr>
-            <p:cNvPr id="8" name="矩形 7">
+            <p:cNvPr id="13" name="矩形 12">
               <a:extLst>
                 <a:ext uri="{FF2B5EF4-FFF2-40B4-BE49-F238E27FC236}">
-                  <a16:creationId xmlns:a16="http://schemas.microsoft.com/office/drawing/2014/main" id="{AEEE6C3D-A4FA-7452-41B3-D170B66FCD7B}"/>
+                  <a16:creationId xmlns:a16="http://schemas.microsoft.com/office/drawing/2014/main" id="{561600F6-1E14-DD4B-BC96-6CBA7025C918}"/>
                 </a:ext>
               </a:extLst>
             </p:cNvPr>
@@ -3668,8 +4519,8 @@
           </p:nvSpPr>
           <p:spPr>
             <a:xfrm>
-              <a:off x="3646449" y="3724609"/>
-              <a:ext cx="5709425" cy="791636"/>
+              <a:off x="2107551" y="5025876"/>
+              <a:ext cx="1149999" cy="906858"/>
             </a:xfrm>
             <a:prstGeom prst="rect">
               <a:avLst/>
@@ -3707,10 +4558,170 @@
           </p:txBody>
         </p:sp>
       </p:grpSp>
+      <p:sp>
+        <p:nvSpPr>
+          <p:cNvPr id="14" name="文字方塊 13">
+            <a:extLst>
+              <a:ext uri="{FF2B5EF4-FFF2-40B4-BE49-F238E27FC236}">
+                <a16:creationId xmlns:a16="http://schemas.microsoft.com/office/drawing/2014/main" id="{0757A41B-F0B1-FE4C-A1C5-F8551E4C430B}"/>
+              </a:ext>
+            </a:extLst>
+          </p:cNvPr>
+          <p:cNvSpPr txBox="1"/>
+          <p:nvPr/>
+        </p:nvSpPr>
+        <p:spPr>
+          <a:xfrm>
+            <a:off x="2914906" y="2127240"/>
+            <a:ext cx="1659339" cy="400110"/>
+          </a:xfrm>
+          <a:prstGeom prst="rect">
+            <a:avLst/>
+          </a:prstGeom>
+          <a:noFill/>
+        </p:spPr>
+        <p:txBody>
+          <a:bodyPr wrap="square" rtlCol="0">
+            <a:spAutoFit/>
+          </a:bodyPr>
+          <a:lstStyle>
+            <a:defPPr>
+              <a:defRPr lang="zh-TW"/>
+            </a:defPPr>
+            <a:lvl1pPr>
+              <a:defRPr sz="2000" b="1"/>
+            </a:lvl1pPr>
+          </a:lstStyle>
+          <a:p>
+            <a:r>
+              <a:rPr lang="zh-TW" altLang="en-US" dirty="0">
+                <a:sym typeface="Wingdings" panose="05000000000000000000" pitchFamily="2" charset="2"/>
+              </a:rPr>
+              <a:t>建立專案後</a:t>
+            </a:r>
+            <a:endParaRPr lang="zh-TW" altLang="en-US" dirty="0"/>
+          </a:p>
+        </p:txBody>
+      </p:sp>
+      <p:sp>
+        <p:nvSpPr>
+          <p:cNvPr id="15" name="矩形 14">
+            <a:extLst>
+              <a:ext uri="{FF2B5EF4-FFF2-40B4-BE49-F238E27FC236}">
+                <a16:creationId xmlns:a16="http://schemas.microsoft.com/office/drawing/2014/main" id="{32DBCD58-69CD-2F45-5F4B-0DC5049C6994}"/>
+              </a:ext>
+            </a:extLst>
+          </p:cNvPr>
+          <p:cNvSpPr/>
+          <p:nvPr/>
+        </p:nvSpPr>
+        <p:spPr>
+          <a:xfrm>
+            <a:off x="9686925" y="3014604"/>
+            <a:ext cx="1295661" cy="480396"/>
+          </a:xfrm>
+          <a:prstGeom prst="rect">
+            <a:avLst/>
+          </a:prstGeom>
+          <a:noFill/>
+          <a:ln w="57150">
+            <a:solidFill>
+              <a:srgbClr val="C00000"/>
+            </a:solidFill>
+          </a:ln>
+        </p:spPr>
+        <p:style>
+          <a:lnRef idx="2">
+            <a:schemeClr val="accent1">
+              <a:shade val="15000"/>
+            </a:schemeClr>
+          </a:lnRef>
+          <a:fillRef idx="1">
+            <a:schemeClr val="accent1"/>
+          </a:fillRef>
+          <a:effectRef idx="0">
+            <a:schemeClr val="accent1"/>
+          </a:effectRef>
+          <a:fontRef idx="minor">
+            <a:schemeClr val="lt1"/>
+          </a:fontRef>
+        </p:style>
+        <p:txBody>
+          <a:bodyPr rtlCol="0" anchor="ctr"/>
+          <a:lstStyle/>
+          <a:p>
+            <a:pPr algn="ctr"/>
+            <a:r>
+              <a:rPr lang="en-US" altLang="zh-TW" dirty="0"/>
+              <a:t>Dockerfile</a:t>
+            </a:r>
+            <a:endParaRPr lang="zh-TW" altLang="en-US" dirty="0"/>
+          </a:p>
+        </p:txBody>
+      </p:sp>
+      <p:sp>
+        <p:nvSpPr>
+          <p:cNvPr id="16" name="文字方塊 15">
+            <a:extLst>
+              <a:ext uri="{FF2B5EF4-FFF2-40B4-BE49-F238E27FC236}">
+                <a16:creationId xmlns:a16="http://schemas.microsoft.com/office/drawing/2014/main" id="{F669BBF9-5FB8-FC00-193A-C4CDBFABE204}"/>
+              </a:ext>
+            </a:extLst>
+          </p:cNvPr>
+          <p:cNvSpPr txBox="1"/>
+          <p:nvPr/>
+        </p:nvSpPr>
+        <p:spPr>
+          <a:xfrm>
+            <a:off x="330857" y="3924101"/>
+            <a:ext cx="8486775" cy="400110"/>
+          </a:xfrm>
+          <a:prstGeom prst="rect">
+            <a:avLst/>
+          </a:prstGeom>
+          <a:noFill/>
+        </p:spPr>
+        <p:txBody>
+          <a:bodyPr wrap="square" rtlCol="0">
+            <a:spAutoFit/>
+          </a:bodyPr>
+          <a:lstStyle>
+            <a:defPPr>
+              <a:defRPr lang="zh-TW"/>
+            </a:defPPr>
+            <a:lvl1pPr>
+              <a:defRPr sz="2000" b="1"/>
+            </a:lvl1pPr>
+          </a:lstStyle>
+          <a:p>
+            <a:r>
+              <a:rPr lang="en-US" altLang="zh-TW" dirty="0"/>
+              <a:t>Step5. </a:t>
+            </a:r>
+            <a:r>
+              <a:rPr lang="zh-TW" altLang="en-US" dirty="0"/>
+              <a:t>執行時選擇</a:t>
+            </a:r>
+            <a:r>
+              <a:rPr lang="en-US" altLang="zh-TW" dirty="0"/>
+              <a:t>Docker</a:t>
+            </a:r>
+            <a:r>
+              <a:rPr lang="zh-TW" altLang="en-US" dirty="0"/>
+              <a:t>時，就會開始建立</a:t>
+            </a:r>
+            <a:r>
+              <a:rPr lang="en-US" altLang="zh-TW" dirty="0"/>
+              <a:t>Docker</a:t>
+            </a:r>
+            <a:endParaRPr lang="zh-TW" altLang="en-US" dirty="0"/>
+          </a:p>
+        </p:txBody>
+      </p:sp>
     </p:spTree>
     <p:extLst>
       <p:ext uri="{BB962C8B-B14F-4D97-AF65-F5344CB8AC3E}">
-        <p14:creationId xmlns:p14="http://schemas.microsoft.com/office/powerpoint/2010/main" val="2751229632"/>
+        <p14:creationId xmlns:p14="http://schemas.microsoft.com/office/powerpoint/2010/main" val="2860907950"/>
       </p:ext>
     </p:extLst>
   </p:cSld>
@@ -3720,7 +4731,7 @@
 </p:sld>
 </file>
 
-<file path=ppt/slides/slide3.xml><?xml version="1.0" encoding="utf-8"?>
+<file path=ppt/slides/slide5.xml><?xml version="1.0" encoding="utf-8"?>
 <p:sld xmlns:a="http://schemas.openxmlformats.org/drawingml/2006/main" xmlns:r="http://schemas.openxmlformats.org/officeDocument/2006/relationships" xmlns:p="http://schemas.openxmlformats.org/presentationml/2006/main">
   <p:cSld>
     <p:spTree>
@@ -3739,10 +4750,10 @@
       </p:grpSpPr>
       <p:pic>
         <p:nvPicPr>
-          <p:cNvPr id="3" name="圖片 2">
-            <a:extLst>
-              <a:ext uri="{FF2B5EF4-FFF2-40B4-BE49-F238E27FC236}">
-                <a16:creationId xmlns:a16="http://schemas.microsoft.com/office/drawing/2014/main" id="{4660F17A-190F-B97A-A55C-49698ECF3F4A}"/>
+          <p:cNvPr id="15" name="圖片 14" descr="一張含有 文字, 螢幕擷取畫面, 字型 的圖片&#10;&#10;自動產生的描述">
+            <a:extLst>
+              <a:ext uri="{FF2B5EF4-FFF2-40B4-BE49-F238E27FC236}">
+                <a16:creationId xmlns:a16="http://schemas.microsoft.com/office/drawing/2014/main" id="{DBF5A4A6-105A-A97C-7EE2-BF5002BA594C}"/>
               </a:ext>
             </a:extLst>
           </p:cNvPr>
@@ -3752,15 +4763,21 @@
           <p:nvPr/>
         </p:nvPicPr>
         <p:blipFill>
-          <a:blip r:embed="rId2"/>
+          <a:blip r:embed="rId2">
+            <a:extLst>
+              <a:ext uri="{28A0092B-C50C-407E-A947-70E740481C1C}">
+                <a14:useLocalDpi xmlns:a14="http://schemas.microsoft.com/office/drawing/2010/main" val="0"/>
+              </a:ext>
+            </a:extLst>
+          </a:blip>
           <a:stretch>
             <a:fillRect/>
           </a:stretch>
         </p:blipFill>
         <p:spPr>
           <a:xfrm>
-            <a:off x="535257" y="2663985"/>
-            <a:ext cx="5458890" cy="3391127"/>
+            <a:off x="186315" y="1025798"/>
+            <a:ext cx="8451312" cy="2027096"/>
           </a:xfrm>
           <a:prstGeom prst="rect">
             <a:avLst/>
@@ -3769,10 +4786,10 @@
       </p:pic>
       <p:sp>
         <p:nvSpPr>
-          <p:cNvPr id="4" name="文字方塊 3">
-            <a:extLst>
-              <a:ext uri="{FF2B5EF4-FFF2-40B4-BE49-F238E27FC236}">
-                <a16:creationId xmlns:a16="http://schemas.microsoft.com/office/drawing/2014/main" id="{5BEA044B-BC62-CEB1-C3FD-1B24A6889E75}"/>
+          <p:cNvPr id="3" name="文字方塊 2">
+            <a:extLst>
+              <a:ext uri="{FF2B5EF4-FFF2-40B4-BE49-F238E27FC236}">
+                <a16:creationId xmlns:a16="http://schemas.microsoft.com/office/drawing/2014/main" id="{FFB03740-5F94-D70B-7725-4FE430CF336D}"/>
               </a:ext>
             </a:extLst>
           </p:cNvPr>
@@ -3781,136 +4798,8 @@
         </p:nvSpPr>
         <p:spPr>
           <a:xfrm>
-            <a:off x="379141" y="602164"/>
-            <a:ext cx="10493298" cy="523220"/>
-          </a:xfrm>
-          <a:prstGeom prst="rect">
-            <a:avLst/>
-          </a:prstGeom>
-          <a:noFill/>
-        </p:spPr>
-        <p:txBody>
-          <a:bodyPr wrap="square" rtlCol="0">
-            <a:spAutoFit/>
-          </a:bodyPr>
-          <a:lstStyle/>
-          <a:p>
-            <a:r>
-              <a:rPr lang="zh-TW" altLang="en-US" sz="2800" b="1" dirty="0">
-                <a:solidFill>
-                  <a:srgbClr val="FF0000"/>
-                </a:solidFill>
-              </a:rPr>
-              <a:t>*</a:t>
-            </a:r>
-            <a:r>
-              <a:rPr lang="en-US" altLang="zh-TW" sz="2800" b="1" dirty="0">
-                <a:solidFill>
-                  <a:srgbClr val="FF0000"/>
-                </a:solidFill>
-              </a:rPr>
-              <a:t>*</a:t>
-            </a:r>
-            <a:r>
-              <a:rPr lang="zh-TW" altLang="en-US" sz="2800" b="1" dirty="0">
-                <a:solidFill>
-                  <a:srgbClr val="FF0000"/>
-                </a:solidFill>
-              </a:rPr>
-              <a:t>注意</a:t>
-            </a:r>
-            <a:r>
-              <a:rPr lang="en-US" altLang="zh-TW" sz="2800" b="1" dirty="0">
-                <a:solidFill>
-                  <a:srgbClr val="FF0000"/>
-                </a:solidFill>
-              </a:rPr>
-              <a:t>:</a:t>
-            </a:r>
-            <a:r>
-              <a:rPr lang="zh-TW" altLang="en-US" sz="2800" b="1" dirty="0">
-                <a:solidFill>
-                  <a:srgbClr val="FF0000"/>
-                </a:solidFill>
-              </a:rPr>
-              <a:t>家庭版不內鍵</a:t>
-            </a:r>
-            <a:r>
-              <a:rPr lang="en-US" altLang="zh-TW" sz="2800" b="1" dirty="0">
-                <a:solidFill>
-                  <a:srgbClr val="FF0000"/>
-                </a:solidFill>
-              </a:rPr>
-              <a:t>Hyper-V</a:t>
-            </a:r>
-            <a:r>
-              <a:rPr lang="zh-TW" altLang="en-US" sz="2800" b="1" dirty="0">
-                <a:solidFill>
-                  <a:srgbClr val="FF0000"/>
-                </a:solidFill>
-              </a:rPr>
-              <a:t>需要自行安裝</a:t>
-            </a:r>
-          </a:p>
-        </p:txBody>
-      </p:sp>
-      <p:sp>
-        <p:nvSpPr>
-          <p:cNvPr id="6" name="文字方塊 5">
-            <a:extLst>
-              <a:ext uri="{FF2B5EF4-FFF2-40B4-BE49-F238E27FC236}">
-                <a16:creationId xmlns:a16="http://schemas.microsoft.com/office/drawing/2014/main" id="{7EBC3B67-8CB9-6481-AC6C-91DDA8A0722A}"/>
-              </a:ext>
-            </a:extLst>
-          </p:cNvPr>
-          <p:cNvSpPr txBox="1"/>
-          <p:nvPr/>
-        </p:nvSpPr>
-        <p:spPr>
-          <a:xfrm>
-            <a:off x="535257" y="1125384"/>
-            <a:ext cx="9601201" cy="369332"/>
-          </a:xfrm>
-          <a:prstGeom prst="rect">
-            <a:avLst/>
-          </a:prstGeom>
-          <a:noFill/>
-        </p:spPr>
-        <p:txBody>
-          <a:bodyPr wrap="square">
-            <a:spAutoFit/>
-          </a:bodyPr>
-          <a:lstStyle/>
-          <a:p>
-            <a:r>
-              <a:rPr lang="zh-TW" altLang="en-US" dirty="0">
-                <a:hlinkClick r:id="rId3"/>
-              </a:rPr>
-              <a:t>https://ouch1978.github.io/blog/2022/08/15/enable-hyper-v-on-windows-11-home</a:t>
-            </a:r>
-            <a:r>
-              <a:rPr lang="zh-TW" altLang="en-US" dirty="0"/>
-              <a:t> </a:t>
-            </a:r>
-          </a:p>
-        </p:txBody>
-      </p:sp>
-      <p:sp>
-        <p:nvSpPr>
-          <p:cNvPr id="7" name="文字方塊 6">
-            <a:extLst>
-              <a:ext uri="{FF2B5EF4-FFF2-40B4-BE49-F238E27FC236}">
-                <a16:creationId xmlns:a16="http://schemas.microsoft.com/office/drawing/2014/main" id="{F9A9C5EE-CDD5-60DD-C471-3CA18A51B444}"/>
-              </a:ext>
-            </a:extLst>
-          </p:cNvPr>
-          <p:cNvSpPr txBox="1"/>
-          <p:nvPr/>
-        </p:nvSpPr>
-        <p:spPr>
-          <a:xfrm>
-            <a:off x="379141" y="1869477"/>
-            <a:ext cx="10772078" cy="400110"/>
+            <a:off x="186315" y="533201"/>
+            <a:ext cx="9691110" cy="400110"/>
           </a:xfrm>
           <a:prstGeom prst="rect">
             <a:avLst/>
@@ -3926,69 +4815,188 @@
               <a:defRPr lang="zh-TW"/>
             </a:defPPr>
             <a:lvl1pPr>
-              <a:defRPr sz="2800" b="1"/>
+              <a:defRPr sz="2000" b="1"/>
             </a:lvl1pPr>
           </a:lstStyle>
           <a:p>
             <a:r>
-              <a:rPr lang="en-US" altLang="zh-TW" sz="2000" dirty="0"/>
-              <a:t>Step3.</a:t>
-            </a:r>
-            <a:r>
-              <a:rPr lang="zh-TW" altLang="en-US" sz="2000" dirty="0"/>
-              <a:t> 控制台 </a:t>
-            </a:r>
-            <a:r>
-              <a:rPr lang="en-US" altLang="zh-TW" sz="2000" dirty="0"/>
-              <a:t>&gt; </a:t>
-            </a:r>
-            <a:r>
-              <a:rPr lang="zh-TW" altLang="en-US" sz="2000" dirty="0"/>
-              <a:t>程式集 </a:t>
-            </a:r>
-            <a:r>
-              <a:rPr lang="en-US" altLang="zh-TW" sz="2000" dirty="0"/>
-              <a:t>&gt;</a:t>
-            </a:r>
-            <a:r>
-              <a:rPr lang="zh-TW" altLang="en-US" sz="2000" dirty="0"/>
-              <a:t> 程式和功能 </a:t>
-            </a:r>
-            <a:r>
-              <a:rPr lang="en-US" altLang="zh-TW" sz="2000" dirty="0"/>
-              <a:t>&gt;</a:t>
-            </a:r>
-            <a:r>
-              <a:rPr lang="zh-TW" altLang="en-US" sz="2000" dirty="0"/>
-              <a:t> 開啟或關閉</a:t>
-            </a:r>
-            <a:r>
-              <a:rPr lang="en-US" altLang="zh-TW" sz="2000" dirty="0"/>
-              <a:t>Windows</a:t>
-            </a:r>
-            <a:r>
-              <a:rPr lang="zh-TW" altLang="en-US" sz="2000" dirty="0"/>
-              <a:t>功能 </a:t>
-            </a:r>
-            <a:r>
-              <a:rPr lang="en-US" altLang="zh-TW" sz="2000" dirty="0"/>
-              <a:t>&gt;</a:t>
-            </a:r>
-            <a:r>
-              <a:rPr lang="zh-TW" altLang="en-US" sz="2000" dirty="0"/>
-              <a:t>打勾</a:t>
-            </a:r>
-            <a:r>
-              <a:rPr lang="en-US" altLang="zh-TW" sz="2000" dirty="0"/>
-              <a:t>”Hyper-V”</a:t>
-            </a:r>
+              <a:rPr lang="en-US" altLang="zh-TW" dirty="0"/>
+              <a:t>Step6. </a:t>
+            </a:r>
+            <a:r>
+              <a:rPr lang="zh-TW" altLang="en-US" dirty="0"/>
+              <a:t>建立完後</a:t>
+            </a:r>
+            <a:r>
+              <a:rPr lang="en-US" altLang="zh-TW" dirty="0"/>
+              <a:t>Docker Desktop</a:t>
+            </a:r>
+            <a:r>
+              <a:rPr lang="zh-TW" altLang="en-US" dirty="0"/>
+              <a:t>的</a:t>
+            </a:r>
+            <a:r>
+              <a:rPr lang="en-US" altLang="zh-TW" dirty="0"/>
+              <a:t>Container</a:t>
+            </a:r>
+            <a:r>
+              <a:rPr lang="zh-TW" altLang="en-US" dirty="0"/>
+              <a:t>會出現專案得名稱，</a:t>
+            </a:r>
+            <a:r>
+              <a:rPr lang="en-US" altLang="zh-TW" dirty="0"/>
+              <a:t>Images</a:t>
+            </a:r>
+            <a:r>
+              <a:rPr lang="zh-TW" altLang="en-US" dirty="0"/>
+              <a:t>也會出現</a:t>
+            </a:r>
+            <a:r>
+              <a:rPr lang="en-US" altLang="zh-TW" dirty="0"/>
+              <a:t> </a:t>
+            </a:r>
+            <a:endParaRPr lang="zh-TW" altLang="en-US" dirty="0"/>
+          </a:p>
+        </p:txBody>
+      </p:sp>
+      <p:pic>
+        <p:nvPicPr>
+          <p:cNvPr id="5" name="圖片 4">
+            <a:extLst>
+              <a:ext uri="{FF2B5EF4-FFF2-40B4-BE49-F238E27FC236}">
+                <a16:creationId xmlns:a16="http://schemas.microsoft.com/office/drawing/2014/main" id="{3F973265-FE85-D375-1A7F-BE65BB3BA3E5}"/>
+              </a:ext>
+            </a:extLst>
+          </p:cNvPr>
+          <p:cNvPicPr>
+            <a:picLocks noChangeAspect="1"/>
+          </p:cNvPicPr>
+          <p:nvPr/>
+        </p:nvPicPr>
+        <p:blipFill>
+          <a:blip r:embed="rId3"/>
+          <a:stretch>
+            <a:fillRect/>
+          </a:stretch>
+        </p:blipFill>
+        <p:spPr>
+          <a:xfrm>
+            <a:off x="186315" y="3145382"/>
+            <a:ext cx="8071860" cy="3333406"/>
+          </a:xfrm>
+          <a:prstGeom prst="rect">
+            <a:avLst/>
+          </a:prstGeom>
+        </p:spPr>
+      </p:pic>
+      <p:sp>
+        <p:nvSpPr>
+          <p:cNvPr id="6" name="矩形 5">
+            <a:extLst>
+              <a:ext uri="{FF2B5EF4-FFF2-40B4-BE49-F238E27FC236}">
+                <a16:creationId xmlns:a16="http://schemas.microsoft.com/office/drawing/2014/main" id="{C2E991AB-F05C-43B3-49B7-0AFC38EA0D8E}"/>
+              </a:ext>
+            </a:extLst>
+          </p:cNvPr>
+          <p:cNvSpPr/>
+          <p:nvPr/>
+        </p:nvSpPr>
+        <p:spPr>
+          <a:xfrm>
+            <a:off x="966001" y="2604920"/>
+            <a:ext cx="1539074" cy="444189"/>
+          </a:xfrm>
+          <a:prstGeom prst="rect">
+            <a:avLst/>
+          </a:prstGeom>
+          <a:noFill/>
+          <a:ln w="57150">
+            <a:solidFill>
+              <a:srgbClr val="C00000"/>
+            </a:solidFill>
+          </a:ln>
+        </p:spPr>
+        <p:style>
+          <a:lnRef idx="2">
+            <a:schemeClr val="accent1">
+              <a:shade val="15000"/>
+            </a:schemeClr>
+          </a:lnRef>
+          <a:fillRef idx="1">
+            <a:schemeClr val="accent1"/>
+          </a:fillRef>
+          <a:effectRef idx="0">
+            <a:schemeClr val="accent1"/>
+          </a:effectRef>
+          <a:fontRef idx="minor">
+            <a:schemeClr val="lt1"/>
+          </a:fontRef>
+        </p:style>
+        <p:txBody>
+          <a:bodyPr rtlCol="0" anchor="ctr"/>
+          <a:lstStyle/>
+          <a:p>
+            <a:pPr algn="ctr"/>
+            <a:endParaRPr lang="zh-TW" altLang="en-US"/>
+          </a:p>
+        </p:txBody>
+      </p:sp>
+      <p:sp>
+        <p:nvSpPr>
+          <p:cNvPr id="7" name="矩形 6">
+            <a:extLst>
+              <a:ext uri="{FF2B5EF4-FFF2-40B4-BE49-F238E27FC236}">
+                <a16:creationId xmlns:a16="http://schemas.microsoft.com/office/drawing/2014/main" id="{A05E0D15-7495-1A39-72C0-C93A8F0034AD}"/>
+              </a:ext>
+            </a:extLst>
+          </p:cNvPr>
+          <p:cNvSpPr/>
+          <p:nvPr/>
+        </p:nvSpPr>
+        <p:spPr>
+          <a:xfrm>
+            <a:off x="670726" y="5517853"/>
+            <a:ext cx="6787349" cy="473372"/>
+          </a:xfrm>
+          <a:prstGeom prst="rect">
+            <a:avLst/>
+          </a:prstGeom>
+          <a:noFill/>
+          <a:ln w="57150">
+            <a:solidFill>
+              <a:srgbClr val="C00000"/>
+            </a:solidFill>
+          </a:ln>
+        </p:spPr>
+        <p:style>
+          <a:lnRef idx="2">
+            <a:schemeClr val="accent1">
+              <a:shade val="15000"/>
+            </a:schemeClr>
+          </a:lnRef>
+          <a:fillRef idx="1">
+            <a:schemeClr val="accent1"/>
+          </a:fillRef>
+          <a:effectRef idx="0">
+            <a:schemeClr val="accent1"/>
+          </a:effectRef>
+          <a:fontRef idx="minor">
+            <a:schemeClr val="lt1"/>
+          </a:fontRef>
+        </p:style>
+        <p:txBody>
+          <a:bodyPr rtlCol="0" anchor="ctr"/>
+          <a:lstStyle/>
+          <a:p>
+            <a:pPr algn="ctr"/>
+            <a:endParaRPr lang="zh-TW" altLang="en-US"/>
           </a:p>
         </p:txBody>
       </p:sp>
     </p:spTree>
     <p:extLst>
       <p:ext uri="{BB962C8B-B14F-4D97-AF65-F5344CB8AC3E}">
-        <p14:creationId xmlns:p14="http://schemas.microsoft.com/office/powerpoint/2010/main" val="1542147233"/>
+        <p14:creationId xmlns:p14="http://schemas.microsoft.com/office/powerpoint/2010/main" val="575627656"/>
       </p:ext>
     </p:extLst>
   </p:cSld>
@@ -3998,7 +5006,7 @@
 </p:sld>
 </file>
 
-<file path=ppt/slides/slide4.xml><?xml version="1.0" encoding="utf-8"?>
+<file path=ppt/slides/slide6.xml><?xml version="1.0" encoding="utf-8"?>
 <p:sld xmlns:a="http://schemas.openxmlformats.org/drawingml/2006/main" xmlns:r="http://schemas.openxmlformats.org/officeDocument/2006/relationships" xmlns:p="http://schemas.openxmlformats.org/presentationml/2006/main">
   <p:cSld>
     <p:spTree>
@@ -4015,10 +5023,1018 @@
           <a:chExt cx="0" cy="0"/>
         </a:xfrm>
       </p:grpSpPr>
+      <p:sp>
+        <p:nvSpPr>
+          <p:cNvPr id="2" name="文字方塊 1">
+            <a:extLst>
+              <a:ext uri="{FF2B5EF4-FFF2-40B4-BE49-F238E27FC236}">
+                <a16:creationId xmlns:a16="http://schemas.microsoft.com/office/drawing/2014/main" id="{35DD9DD1-4AA4-EC4B-30D7-881EA1E36BDC}"/>
+              </a:ext>
+            </a:extLst>
+          </p:cNvPr>
+          <p:cNvSpPr txBox="1"/>
+          <p:nvPr/>
+        </p:nvSpPr>
+        <p:spPr>
+          <a:xfrm>
+            <a:off x="186315" y="533201"/>
+            <a:ext cx="9691110" cy="400110"/>
+          </a:xfrm>
+          <a:prstGeom prst="rect">
+            <a:avLst/>
+          </a:prstGeom>
+          <a:noFill/>
+        </p:spPr>
+        <p:txBody>
+          <a:bodyPr wrap="square" rtlCol="0">
+            <a:spAutoFit/>
+          </a:bodyPr>
+          <a:lstStyle>
+            <a:defPPr>
+              <a:defRPr lang="zh-TW"/>
+            </a:defPPr>
+            <a:lvl1pPr>
+              <a:defRPr sz="2000" b="1"/>
+            </a:lvl1pPr>
+          </a:lstStyle>
+          <a:p>
+            <a:r>
+              <a:rPr lang="en-US" altLang="zh-TW" dirty="0"/>
+              <a:t>Step7. </a:t>
+            </a:r>
+            <a:r>
+              <a:rPr lang="zh-TW" altLang="en-US" dirty="0"/>
+              <a:t>當直接開啟</a:t>
+            </a:r>
+            <a:r>
+              <a:rPr lang="en-US" altLang="zh-TW" dirty="0"/>
+              <a:t>Docker Desktop</a:t>
+            </a:r>
+            <a:r>
+              <a:rPr lang="zh-TW" altLang="en-US" dirty="0"/>
+              <a:t>的</a:t>
+            </a:r>
+            <a:r>
+              <a:rPr lang="en-US" altLang="zh-TW" dirty="0"/>
+              <a:t>Port(s)</a:t>
+            </a:r>
+            <a:r>
+              <a:rPr lang="zh-TW" altLang="en-US" dirty="0"/>
+              <a:t>時會出現，下面的錯誤訊息</a:t>
+            </a:r>
+          </a:p>
+        </p:txBody>
+      </p:sp>
+      <p:pic>
+        <p:nvPicPr>
+          <p:cNvPr id="11" name="圖片 10" descr="一張含有 黑色, 黑暗 的圖片&#10;&#10;自動產生的描述">
+            <a:extLst>
+              <a:ext uri="{FF2B5EF4-FFF2-40B4-BE49-F238E27FC236}">
+                <a16:creationId xmlns:a16="http://schemas.microsoft.com/office/drawing/2014/main" id="{54578E89-A14A-F0AC-D324-F1E642A0F96A}"/>
+              </a:ext>
+            </a:extLst>
+          </p:cNvPr>
+          <p:cNvPicPr>
+            <a:picLocks noChangeAspect="1"/>
+          </p:cNvPicPr>
+          <p:nvPr/>
+        </p:nvPicPr>
+        <p:blipFill>
+          <a:blip r:embed="rId2">
+            <a:extLst>
+              <a:ext uri="{28A0092B-C50C-407E-A947-70E740481C1C}">
+                <a14:useLocalDpi xmlns:a14="http://schemas.microsoft.com/office/drawing/2010/main" val="0"/>
+              </a:ext>
+            </a:extLst>
+          </a:blip>
+          <a:stretch>
+            <a:fillRect/>
+          </a:stretch>
+        </p:blipFill>
+        <p:spPr>
+          <a:xfrm>
+            <a:off x="428625" y="3035844"/>
+            <a:ext cx="7524750" cy="3774730"/>
+          </a:xfrm>
+          <a:prstGeom prst="rect">
+            <a:avLst/>
+          </a:prstGeom>
+        </p:spPr>
+      </p:pic>
+      <p:sp>
+        <p:nvSpPr>
+          <p:cNvPr id="12" name="矩形 11">
+            <a:extLst>
+              <a:ext uri="{FF2B5EF4-FFF2-40B4-BE49-F238E27FC236}">
+                <a16:creationId xmlns:a16="http://schemas.microsoft.com/office/drawing/2014/main" id="{411E299F-6EB0-68A5-C8ED-D29276C2A686}"/>
+              </a:ext>
+            </a:extLst>
+          </p:cNvPr>
+          <p:cNvSpPr/>
+          <p:nvPr/>
+        </p:nvSpPr>
+        <p:spPr>
+          <a:xfrm>
+            <a:off x="8505825" y="3816924"/>
+            <a:ext cx="3171825" cy="2000250"/>
+          </a:xfrm>
+          <a:prstGeom prst="rect">
+            <a:avLst/>
+          </a:prstGeom>
+        </p:spPr>
+        <p:style>
+          <a:lnRef idx="2">
+            <a:schemeClr val="accent6">
+              <a:shade val="15000"/>
+            </a:schemeClr>
+          </a:lnRef>
+          <a:fillRef idx="1">
+            <a:schemeClr val="accent6"/>
+          </a:fillRef>
+          <a:effectRef idx="0">
+            <a:schemeClr val="accent6"/>
+          </a:effectRef>
+          <a:fontRef idx="minor">
+            <a:schemeClr val="lt1"/>
+          </a:fontRef>
+        </p:style>
+        <p:txBody>
+          <a:bodyPr rtlCol="0" anchor="ctr"/>
+          <a:lstStyle/>
+          <a:p>
+            <a:pPr algn="ctr"/>
+            <a:r>
+              <a:rPr lang="zh-TW" altLang="en-US" dirty="0"/>
+              <a:t>是因為沒有執行</a:t>
+            </a:r>
+            <a:r>
+              <a:rPr lang="en-US" altLang="zh-TW" dirty="0"/>
+              <a:t>IIS</a:t>
+            </a:r>
+            <a:r>
+              <a:rPr lang="zh-TW" altLang="en-US" dirty="0"/>
+              <a:t>，所以有可能</a:t>
+            </a:r>
+            <a:r>
+              <a:rPr lang="en-US" altLang="zh-TW" dirty="0"/>
+              <a:t>IIS</a:t>
+            </a:r>
+            <a:r>
+              <a:rPr lang="zh-TW" altLang="en-US" dirty="0"/>
+              <a:t>還沒有安裝</a:t>
+            </a:r>
+            <a:endParaRPr lang="en-US" altLang="zh-TW" dirty="0"/>
+          </a:p>
+          <a:p>
+            <a:pPr algn="ctr"/>
+            <a:r>
+              <a:rPr lang="zh-TW" altLang="en-US" dirty="0"/>
+              <a:t>**要注意</a:t>
+            </a:r>
+            <a:r>
+              <a:rPr lang="en-US" altLang="zh-TW" dirty="0"/>
+              <a:t>IIS</a:t>
+            </a:r>
+            <a:r>
+              <a:rPr lang="zh-TW" altLang="en-US" dirty="0"/>
+              <a:t>有沒有安裝</a:t>
+            </a:r>
+          </a:p>
+        </p:txBody>
+      </p:sp>
+      <p:pic>
+        <p:nvPicPr>
+          <p:cNvPr id="14" name="圖片 13">
+            <a:extLst>
+              <a:ext uri="{FF2B5EF4-FFF2-40B4-BE49-F238E27FC236}">
+                <a16:creationId xmlns:a16="http://schemas.microsoft.com/office/drawing/2014/main" id="{CF866537-E96D-0E90-0362-75C74C014D92}"/>
+              </a:ext>
+            </a:extLst>
+          </p:cNvPr>
+          <p:cNvPicPr>
+            <a:picLocks noChangeAspect="1"/>
+          </p:cNvPicPr>
+          <p:nvPr/>
+        </p:nvPicPr>
+        <p:blipFill>
+          <a:blip r:embed="rId3"/>
+          <a:stretch>
+            <a:fillRect/>
+          </a:stretch>
+        </p:blipFill>
+        <p:spPr>
+          <a:xfrm>
+            <a:off x="10908018" y="5314092"/>
+            <a:ext cx="1017282" cy="1292225"/>
+          </a:xfrm>
+          <a:prstGeom prst="rect">
+            <a:avLst/>
+          </a:prstGeom>
+        </p:spPr>
+      </p:pic>
+      <p:sp>
+        <p:nvSpPr>
+          <p:cNvPr id="15" name="矩形 14">
+            <a:extLst>
+              <a:ext uri="{FF2B5EF4-FFF2-40B4-BE49-F238E27FC236}">
+                <a16:creationId xmlns:a16="http://schemas.microsoft.com/office/drawing/2014/main" id="{BEC60480-6E14-DBAC-1425-55D081DF5251}"/>
+              </a:ext>
+            </a:extLst>
+          </p:cNvPr>
+          <p:cNvSpPr/>
+          <p:nvPr/>
+        </p:nvSpPr>
+        <p:spPr>
+          <a:xfrm>
+            <a:off x="4810391" y="5630477"/>
+            <a:ext cx="2276209" cy="808423"/>
+          </a:xfrm>
+          <a:prstGeom prst="rect">
+            <a:avLst/>
+          </a:prstGeom>
+          <a:ln w="57150">
+            <a:prstDash val="lgDash"/>
+          </a:ln>
+        </p:spPr>
+        <p:style>
+          <a:lnRef idx="2">
+            <a:schemeClr val="accent4"/>
+          </a:lnRef>
+          <a:fillRef idx="1">
+            <a:schemeClr val="lt1"/>
+          </a:fillRef>
+          <a:effectRef idx="0">
+            <a:schemeClr val="accent4"/>
+          </a:effectRef>
+          <a:fontRef idx="minor">
+            <a:schemeClr val="dk1"/>
+          </a:fontRef>
+        </p:style>
+        <p:txBody>
+          <a:bodyPr rtlCol="0" anchor="ctr"/>
+          <a:lstStyle/>
+          <a:p>
+            <a:pPr algn="ctr"/>
+            <a:r>
+              <a:rPr lang="zh-TW" altLang="en-US" sz="2400" b="1" dirty="0">
+                <a:solidFill>
+                  <a:schemeClr val="accent1">
+                    <a:lumMod val="75000"/>
+                  </a:schemeClr>
+                </a:solidFill>
+              </a:rPr>
+              <a:t>錯誤訊息</a:t>
+            </a:r>
+          </a:p>
+        </p:txBody>
+      </p:sp>
+      <p:pic>
+        <p:nvPicPr>
+          <p:cNvPr id="19" name="圖片 18">
+            <a:extLst>
+              <a:ext uri="{FF2B5EF4-FFF2-40B4-BE49-F238E27FC236}">
+                <a16:creationId xmlns:a16="http://schemas.microsoft.com/office/drawing/2014/main" id="{B2A3BFF8-4FA4-1870-2381-E1B70566A229}"/>
+              </a:ext>
+            </a:extLst>
+          </p:cNvPr>
+          <p:cNvPicPr>
+            <a:picLocks noChangeAspect="1"/>
+          </p:cNvPicPr>
+          <p:nvPr/>
+        </p:nvPicPr>
+        <p:blipFill>
+          <a:blip r:embed="rId4"/>
+          <a:stretch>
+            <a:fillRect/>
+          </a:stretch>
+        </p:blipFill>
+        <p:spPr>
+          <a:xfrm>
+            <a:off x="186315" y="1023524"/>
+            <a:ext cx="6547748" cy="1719676"/>
+          </a:xfrm>
+          <a:prstGeom prst="rect">
+            <a:avLst/>
+          </a:prstGeom>
+        </p:spPr>
+      </p:pic>
+      <p:sp>
+        <p:nvSpPr>
+          <p:cNvPr id="20" name="矩形 19">
+            <a:extLst>
+              <a:ext uri="{FF2B5EF4-FFF2-40B4-BE49-F238E27FC236}">
+                <a16:creationId xmlns:a16="http://schemas.microsoft.com/office/drawing/2014/main" id="{A6716586-C6F1-8DB3-DAE0-6C192C86AAED}"/>
+              </a:ext>
+            </a:extLst>
+          </p:cNvPr>
+          <p:cNvSpPr/>
+          <p:nvPr/>
+        </p:nvSpPr>
+        <p:spPr>
+          <a:xfrm>
+            <a:off x="4675216" y="2394932"/>
+            <a:ext cx="713307" cy="329727"/>
+          </a:xfrm>
+          <a:prstGeom prst="rect">
+            <a:avLst/>
+          </a:prstGeom>
+          <a:noFill/>
+          <a:ln w="57150">
+            <a:solidFill>
+              <a:srgbClr val="C00000"/>
+            </a:solidFill>
+          </a:ln>
+        </p:spPr>
+        <p:style>
+          <a:lnRef idx="2">
+            <a:schemeClr val="accent1">
+              <a:shade val="15000"/>
+            </a:schemeClr>
+          </a:lnRef>
+          <a:fillRef idx="1">
+            <a:schemeClr val="accent1"/>
+          </a:fillRef>
+          <a:effectRef idx="0">
+            <a:schemeClr val="accent1"/>
+          </a:effectRef>
+          <a:fontRef idx="minor">
+            <a:schemeClr val="lt1"/>
+          </a:fontRef>
+        </p:style>
+        <p:txBody>
+          <a:bodyPr rtlCol="0" anchor="ctr"/>
+          <a:lstStyle/>
+          <a:p>
+            <a:pPr algn="ctr"/>
+            <a:endParaRPr lang="zh-TW" altLang="en-US"/>
+          </a:p>
+        </p:txBody>
+      </p:sp>
+      <p:sp>
+        <p:nvSpPr>
+          <p:cNvPr id="22" name="文字方塊 21">
+            <a:extLst>
+              <a:ext uri="{FF2B5EF4-FFF2-40B4-BE49-F238E27FC236}">
+                <a16:creationId xmlns:a16="http://schemas.microsoft.com/office/drawing/2014/main" id="{97EF34DF-AA20-BEF3-5BF0-E1512497537F}"/>
+              </a:ext>
+            </a:extLst>
+          </p:cNvPr>
+          <p:cNvSpPr txBox="1"/>
+          <p:nvPr/>
+        </p:nvSpPr>
+        <p:spPr>
+          <a:xfrm>
+            <a:off x="4675216" y="6421651"/>
+            <a:ext cx="6096000" cy="369332"/>
+          </a:xfrm>
+          <a:prstGeom prst="rect">
+            <a:avLst/>
+          </a:prstGeom>
+          <a:noFill/>
+        </p:spPr>
+        <p:txBody>
+          <a:bodyPr wrap="square">
+            <a:spAutoFit/>
+          </a:bodyPr>
+          <a:lstStyle/>
+          <a:p>
+            <a:r>
+              <a:rPr lang="zh-TW" altLang="en-US" dirty="0"/>
+              <a:t> </a:t>
+            </a:r>
+            <a:r>
+              <a:rPr lang="zh-TW" altLang="en-US" dirty="0">
+                <a:hlinkClick r:id="rId5"/>
+              </a:rPr>
+              <a:t>https://ithelp.ithome.com.tw/questions/10085421</a:t>
+            </a:r>
+            <a:r>
+              <a:rPr lang="zh-TW" altLang="en-US" dirty="0"/>
+              <a:t> </a:t>
+            </a:r>
+          </a:p>
+        </p:txBody>
+      </p:sp>
     </p:spTree>
     <p:extLst>
       <p:ext uri="{BB962C8B-B14F-4D97-AF65-F5344CB8AC3E}">
-        <p14:creationId xmlns:p14="http://schemas.microsoft.com/office/powerpoint/2010/main" val="2860907950"/>
+        <p14:creationId xmlns:p14="http://schemas.microsoft.com/office/powerpoint/2010/main" val="1496213174"/>
+      </p:ext>
+    </p:extLst>
+  </p:cSld>
+  <p:clrMapOvr>
+    <a:masterClrMapping/>
+  </p:clrMapOvr>
+</p:sld>
+</file>
+
+<file path=ppt/slides/slide7.xml><?xml version="1.0" encoding="utf-8"?>
+<p:sld xmlns:a="http://schemas.openxmlformats.org/drawingml/2006/main" xmlns:r="http://schemas.openxmlformats.org/officeDocument/2006/relationships" xmlns:p="http://schemas.openxmlformats.org/presentationml/2006/main">
+  <p:cSld>
+    <p:spTree>
+      <p:nvGrpSpPr>
+        <p:cNvPr id="1" name=""/>
+        <p:cNvGrpSpPr/>
+        <p:nvPr/>
+      </p:nvGrpSpPr>
+      <p:grpSpPr>
+        <a:xfrm>
+          <a:off x="0" y="0"/>
+          <a:ext cx="0" cy="0"/>
+          <a:chOff x="0" y="0"/>
+          <a:chExt cx="0" cy="0"/>
+        </a:xfrm>
+      </p:grpSpPr>
+      <p:sp>
+        <p:nvSpPr>
+          <p:cNvPr id="2" name="文字方塊 1">
+            <a:extLst>
+              <a:ext uri="{FF2B5EF4-FFF2-40B4-BE49-F238E27FC236}">
+                <a16:creationId xmlns:a16="http://schemas.microsoft.com/office/drawing/2014/main" id="{97D1E4EE-32EA-1C66-5CFA-D8283D3B5ABD}"/>
+              </a:ext>
+            </a:extLst>
+          </p:cNvPr>
+          <p:cNvSpPr txBox="1"/>
+          <p:nvPr/>
+        </p:nvSpPr>
+        <p:spPr>
+          <a:xfrm>
+            <a:off x="157740" y="371276"/>
+            <a:ext cx="9691110" cy="400110"/>
+          </a:xfrm>
+          <a:prstGeom prst="rect">
+            <a:avLst/>
+          </a:prstGeom>
+          <a:noFill/>
+        </p:spPr>
+        <p:txBody>
+          <a:bodyPr wrap="square" rtlCol="0">
+            <a:spAutoFit/>
+          </a:bodyPr>
+          <a:lstStyle>
+            <a:defPPr>
+              <a:defRPr lang="zh-TW"/>
+            </a:defPPr>
+            <a:lvl1pPr>
+              <a:defRPr sz="2000" b="1"/>
+            </a:lvl1pPr>
+          </a:lstStyle>
+          <a:p>
+            <a:r>
+              <a:rPr lang="en-US" altLang="zh-TW" dirty="0"/>
+              <a:t>Step8. </a:t>
+            </a:r>
+            <a:r>
+              <a:rPr lang="zh-TW" altLang="en-US" dirty="0"/>
+              <a:t>開啟</a:t>
+            </a:r>
+            <a:r>
+              <a:rPr lang="en-US" altLang="zh-TW" dirty="0"/>
+              <a:t>IIS</a:t>
+            </a:r>
+            <a:r>
+              <a:rPr lang="zh-TW" altLang="en-US" dirty="0"/>
+              <a:t>後就可以執行</a:t>
+            </a:r>
+            <a:r>
+              <a:rPr lang="en-US" altLang="zh-TW" dirty="0"/>
+              <a:t>Docker Desktop</a:t>
+            </a:r>
+            <a:r>
+              <a:rPr lang="zh-TW" altLang="en-US" dirty="0"/>
+              <a:t>了</a:t>
+            </a:r>
+          </a:p>
+        </p:txBody>
+      </p:sp>
+      <p:pic>
+        <p:nvPicPr>
+          <p:cNvPr id="4" name="圖片 3">
+            <a:extLst>
+              <a:ext uri="{FF2B5EF4-FFF2-40B4-BE49-F238E27FC236}">
+                <a16:creationId xmlns:a16="http://schemas.microsoft.com/office/drawing/2014/main" id="{AAB536BA-022E-44D3-377F-521EA5088745}"/>
+              </a:ext>
+            </a:extLst>
+          </p:cNvPr>
+          <p:cNvPicPr>
+            <a:picLocks noChangeAspect="1"/>
+          </p:cNvPicPr>
+          <p:nvPr/>
+        </p:nvPicPr>
+        <p:blipFill>
+          <a:blip r:embed="rId2"/>
+          <a:stretch>
+            <a:fillRect/>
+          </a:stretch>
+        </p:blipFill>
+        <p:spPr>
+          <a:xfrm>
+            <a:off x="224415" y="894068"/>
+            <a:ext cx="5414385" cy="2229065"/>
+          </a:xfrm>
+          <a:prstGeom prst="rect">
+            <a:avLst/>
+          </a:prstGeom>
+        </p:spPr>
+      </p:pic>
+      <p:sp>
+        <p:nvSpPr>
+          <p:cNvPr id="5" name="矩形 4">
+            <a:extLst>
+              <a:ext uri="{FF2B5EF4-FFF2-40B4-BE49-F238E27FC236}">
+                <a16:creationId xmlns:a16="http://schemas.microsoft.com/office/drawing/2014/main" id="{0DB38133-5B76-F6CE-DDC5-CC2FC3934170}"/>
+              </a:ext>
+            </a:extLst>
+          </p:cNvPr>
+          <p:cNvSpPr/>
+          <p:nvPr/>
+        </p:nvSpPr>
+        <p:spPr>
+          <a:xfrm>
+            <a:off x="3671887" y="1038185"/>
+            <a:ext cx="1533525" cy="590550"/>
+          </a:xfrm>
+          <a:prstGeom prst="rect">
+            <a:avLst/>
+          </a:prstGeom>
+        </p:spPr>
+        <p:style>
+          <a:lnRef idx="2">
+            <a:schemeClr val="accent3">
+              <a:shade val="15000"/>
+            </a:schemeClr>
+          </a:lnRef>
+          <a:fillRef idx="1">
+            <a:schemeClr val="accent3"/>
+          </a:fillRef>
+          <a:effectRef idx="0">
+            <a:schemeClr val="accent3"/>
+          </a:effectRef>
+          <a:fontRef idx="minor">
+            <a:schemeClr val="lt1"/>
+          </a:fontRef>
+        </p:style>
+        <p:txBody>
+          <a:bodyPr rtlCol="0" anchor="ctr"/>
+          <a:lstStyle/>
+          <a:p>
+            <a:pPr algn="ctr"/>
+            <a:r>
+              <a:rPr lang="en-US" altLang="zh-TW" dirty="0"/>
+              <a:t>localhost</a:t>
+            </a:r>
+          </a:p>
+        </p:txBody>
+      </p:sp>
+      <p:sp>
+        <p:nvSpPr>
+          <p:cNvPr id="6" name="文字方塊 5">
+            <a:extLst>
+              <a:ext uri="{FF2B5EF4-FFF2-40B4-BE49-F238E27FC236}">
+                <a16:creationId xmlns:a16="http://schemas.microsoft.com/office/drawing/2014/main" id="{03DC2D9C-FA09-5F79-6BBE-36B799C12D57}"/>
+              </a:ext>
+            </a:extLst>
+          </p:cNvPr>
+          <p:cNvSpPr txBox="1"/>
+          <p:nvPr/>
+        </p:nvSpPr>
+        <p:spPr>
+          <a:xfrm>
+            <a:off x="224415" y="3316511"/>
+            <a:ext cx="9691110" cy="400110"/>
+          </a:xfrm>
+          <a:prstGeom prst="rect">
+            <a:avLst/>
+          </a:prstGeom>
+          <a:noFill/>
+        </p:spPr>
+        <p:txBody>
+          <a:bodyPr wrap="square" rtlCol="0">
+            <a:spAutoFit/>
+          </a:bodyPr>
+          <a:lstStyle>
+            <a:defPPr>
+              <a:defRPr lang="zh-TW"/>
+            </a:defPPr>
+            <a:lvl1pPr>
+              <a:defRPr sz="2000" b="1"/>
+            </a:lvl1pPr>
+          </a:lstStyle>
+          <a:p>
+            <a:r>
+              <a:rPr lang="zh-TW" altLang="en-US" dirty="0"/>
+              <a:t>如果要用</a:t>
+            </a:r>
+            <a:r>
+              <a:rPr lang="en-US" altLang="zh-TW" dirty="0" err="1"/>
+              <a:t>ip</a:t>
+            </a:r>
+            <a:r>
+              <a:rPr lang="zh-TW" altLang="en-US" dirty="0"/>
+              <a:t>開</a:t>
+            </a:r>
+            <a:r>
+              <a:rPr lang="en-US" altLang="zh-TW" dirty="0"/>
+              <a:t>Docker</a:t>
+            </a:r>
+            <a:r>
+              <a:rPr lang="zh-TW" altLang="en-US" dirty="0"/>
+              <a:t>，可以在</a:t>
+            </a:r>
+            <a:r>
+              <a:rPr lang="en-US" altLang="zh-TW" dirty="0" err="1"/>
+              <a:t>powershell</a:t>
+            </a:r>
+            <a:r>
+              <a:rPr lang="zh-TW" altLang="en-US" dirty="0"/>
+              <a:t>輸入</a:t>
+            </a:r>
+            <a:r>
+              <a:rPr lang="en-US" altLang="zh-TW" dirty="0"/>
+              <a:t>” docker inspect </a:t>
+            </a:r>
+            <a:r>
+              <a:rPr lang="en-US" altLang="zh-TW" dirty="0">
+                <a:highlight>
+                  <a:srgbClr val="FFFF00"/>
+                </a:highlight>
+              </a:rPr>
+              <a:t>a37a6a071a6d</a:t>
+            </a:r>
+            <a:r>
+              <a:rPr lang="en-US" altLang="zh-TW" dirty="0"/>
+              <a:t>”</a:t>
+            </a:r>
+            <a:endParaRPr lang="zh-TW" altLang="en-US" dirty="0"/>
+          </a:p>
+        </p:txBody>
+      </p:sp>
+      <p:sp>
+        <p:nvSpPr>
+          <p:cNvPr id="7" name="矩形 6">
+            <a:extLst>
+              <a:ext uri="{FF2B5EF4-FFF2-40B4-BE49-F238E27FC236}">
+                <a16:creationId xmlns:a16="http://schemas.microsoft.com/office/drawing/2014/main" id="{3A6E0806-B4CD-DDF8-BCA9-25CE001631F0}"/>
+              </a:ext>
+            </a:extLst>
+          </p:cNvPr>
+          <p:cNvSpPr/>
+          <p:nvPr/>
+        </p:nvSpPr>
+        <p:spPr>
+          <a:xfrm>
+            <a:off x="6877050" y="2629272"/>
+            <a:ext cx="1533525" cy="590550"/>
+          </a:xfrm>
+          <a:prstGeom prst="rect">
+            <a:avLst/>
+          </a:prstGeom>
+        </p:spPr>
+        <p:style>
+          <a:lnRef idx="2">
+            <a:schemeClr val="accent6">
+              <a:shade val="15000"/>
+            </a:schemeClr>
+          </a:lnRef>
+          <a:fillRef idx="1">
+            <a:schemeClr val="accent6"/>
+          </a:fillRef>
+          <a:effectRef idx="0">
+            <a:schemeClr val="accent6"/>
+          </a:effectRef>
+          <a:fontRef idx="minor">
+            <a:schemeClr val="lt1"/>
+          </a:fontRef>
+        </p:style>
+        <p:txBody>
+          <a:bodyPr rtlCol="0" anchor="ctr"/>
+          <a:lstStyle/>
+          <a:p>
+            <a:pPr algn="ctr"/>
+            <a:r>
+              <a:rPr lang="zh-TW" altLang="en-US" dirty="0"/>
+              <a:t>為專案的</a:t>
+            </a:r>
+            <a:r>
+              <a:rPr lang="en-US" altLang="zh-TW" dirty="0"/>
+              <a:t>id</a:t>
+            </a:r>
+          </a:p>
+        </p:txBody>
+      </p:sp>
+      <p:pic>
+        <p:nvPicPr>
+          <p:cNvPr id="8" name="圖片 7">
+            <a:extLst>
+              <a:ext uri="{FF2B5EF4-FFF2-40B4-BE49-F238E27FC236}">
+                <a16:creationId xmlns:a16="http://schemas.microsoft.com/office/drawing/2014/main" id="{90920568-EBC3-A4B7-A9C7-C645C5B8284A}"/>
+              </a:ext>
+            </a:extLst>
+          </p:cNvPr>
+          <p:cNvPicPr>
+            <a:picLocks noChangeAspect="1"/>
+          </p:cNvPicPr>
+          <p:nvPr/>
+        </p:nvPicPr>
+        <p:blipFill rotWithShape="1">
+          <a:blip r:embed="rId3"/>
+          <a:srcRect r="68944"/>
+          <a:stretch/>
+        </p:blipFill>
+        <p:spPr>
+          <a:xfrm>
+            <a:off x="8758238" y="1790059"/>
+            <a:ext cx="2857500" cy="2138311"/>
+          </a:xfrm>
+          <a:prstGeom prst="rect">
+            <a:avLst/>
+          </a:prstGeom>
+        </p:spPr>
+      </p:pic>
+      <p:sp>
+        <p:nvSpPr>
+          <p:cNvPr id="9" name="矩形 8">
+            <a:extLst>
+              <a:ext uri="{FF2B5EF4-FFF2-40B4-BE49-F238E27FC236}">
+                <a16:creationId xmlns:a16="http://schemas.microsoft.com/office/drawing/2014/main" id="{1C59E002-9B99-5DDF-F860-0E9C3B6FBE27}"/>
+              </a:ext>
+            </a:extLst>
+          </p:cNvPr>
+          <p:cNvSpPr/>
+          <p:nvPr/>
+        </p:nvSpPr>
+        <p:spPr>
+          <a:xfrm>
+            <a:off x="10048875" y="3667185"/>
+            <a:ext cx="1209676" cy="261185"/>
+          </a:xfrm>
+          <a:prstGeom prst="rect">
+            <a:avLst/>
+          </a:prstGeom>
+          <a:noFill/>
+          <a:ln w="57150">
+            <a:solidFill>
+              <a:srgbClr val="C00000"/>
+            </a:solidFill>
+          </a:ln>
+        </p:spPr>
+        <p:style>
+          <a:lnRef idx="2">
+            <a:schemeClr val="accent1">
+              <a:shade val="15000"/>
+            </a:schemeClr>
+          </a:lnRef>
+          <a:fillRef idx="1">
+            <a:schemeClr val="accent1"/>
+          </a:fillRef>
+          <a:effectRef idx="0">
+            <a:schemeClr val="accent1"/>
+          </a:effectRef>
+          <a:fontRef idx="minor">
+            <a:schemeClr val="lt1"/>
+          </a:fontRef>
+        </p:style>
+        <p:txBody>
+          <a:bodyPr rtlCol="0" anchor="ctr"/>
+          <a:lstStyle/>
+          <a:p>
+            <a:pPr algn="ctr"/>
+            <a:endParaRPr lang="zh-TW" altLang="en-US"/>
+          </a:p>
+        </p:txBody>
+      </p:sp>
+      <p:pic>
+        <p:nvPicPr>
+          <p:cNvPr id="26" name="圖片 25" descr="一張含有 文字, 螢幕擷取畫面, 字型 的圖片&#10;&#10;自動產生的描述">
+            <a:extLst>
+              <a:ext uri="{FF2B5EF4-FFF2-40B4-BE49-F238E27FC236}">
+                <a16:creationId xmlns:a16="http://schemas.microsoft.com/office/drawing/2014/main" id="{084C8D2A-B052-A2F7-A321-94777CFEFF04}"/>
+              </a:ext>
+            </a:extLst>
+          </p:cNvPr>
+          <p:cNvPicPr>
+            <a:picLocks noChangeAspect="1"/>
+          </p:cNvPicPr>
+          <p:nvPr/>
+        </p:nvPicPr>
+        <p:blipFill>
+          <a:blip r:embed="rId4">
+            <a:extLst>
+              <a:ext uri="{28A0092B-C50C-407E-A947-70E740481C1C}">
+                <a14:useLocalDpi xmlns:a14="http://schemas.microsoft.com/office/drawing/2010/main" val="0"/>
+              </a:ext>
+            </a:extLst>
+          </a:blip>
+          <a:stretch>
+            <a:fillRect/>
+          </a:stretch>
+        </p:blipFill>
+        <p:spPr>
+          <a:xfrm>
+            <a:off x="224415" y="3858038"/>
+            <a:ext cx="7772475" cy="2615764"/>
+          </a:xfrm>
+          <a:prstGeom prst="rect">
+            <a:avLst/>
+          </a:prstGeom>
+        </p:spPr>
+      </p:pic>
+      <p:sp>
+        <p:nvSpPr>
+          <p:cNvPr id="27" name="矩形 26">
+            <a:extLst>
+              <a:ext uri="{FF2B5EF4-FFF2-40B4-BE49-F238E27FC236}">
+                <a16:creationId xmlns:a16="http://schemas.microsoft.com/office/drawing/2014/main" id="{BD1C87C2-7F37-50EE-8381-C5D9FBEE6E31}"/>
+              </a:ext>
+            </a:extLst>
+          </p:cNvPr>
+          <p:cNvSpPr/>
+          <p:nvPr/>
+        </p:nvSpPr>
+        <p:spPr>
+          <a:xfrm>
+            <a:off x="4562475" y="5118490"/>
+            <a:ext cx="1533525" cy="590550"/>
+          </a:xfrm>
+          <a:prstGeom prst="rect">
+            <a:avLst/>
+          </a:prstGeom>
+        </p:spPr>
+        <p:style>
+          <a:lnRef idx="2">
+            <a:schemeClr val="accent3">
+              <a:shade val="15000"/>
+            </a:schemeClr>
+          </a:lnRef>
+          <a:fillRef idx="1">
+            <a:schemeClr val="accent3"/>
+          </a:fillRef>
+          <a:effectRef idx="0">
+            <a:schemeClr val="accent3"/>
+          </a:effectRef>
+          <a:fontRef idx="minor">
+            <a:schemeClr val="lt1"/>
+          </a:fontRef>
+        </p:style>
+        <p:txBody>
+          <a:bodyPr rtlCol="0" anchor="ctr"/>
+          <a:lstStyle/>
+          <a:p>
+            <a:pPr algn="ctr"/>
+            <a:r>
+              <a:rPr lang="en-US" altLang="zh-TW" dirty="0" err="1"/>
+              <a:t>IPAddress</a:t>
+            </a:r>
+            <a:endParaRPr lang="en-US" altLang="zh-TW" dirty="0"/>
+          </a:p>
+        </p:txBody>
+      </p:sp>
+      <p:pic>
+        <p:nvPicPr>
+          <p:cNvPr id="29" name="圖片 28">
+            <a:extLst>
+              <a:ext uri="{FF2B5EF4-FFF2-40B4-BE49-F238E27FC236}">
+                <a16:creationId xmlns:a16="http://schemas.microsoft.com/office/drawing/2014/main" id="{75A8F148-E27E-452D-A06C-16B0FAA4071D}"/>
+              </a:ext>
+            </a:extLst>
+          </p:cNvPr>
+          <p:cNvPicPr>
+            <a:picLocks noChangeAspect="1"/>
+          </p:cNvPicPr>
+          <p:nvPr/>
+        </p:nvPicPr>
+        <p:blipFill>
+          <a:blip r:embed="rId5"/>
+          <a:stretch>
+            <a:fillRect/>
+          </a:stretch>
+        </p:blipFill>
+        <p:spPr>
+          <a:xfrm>
+            <a:off x="8057824" y="4201996"/>
+            <a:ext cx="3529087" cy="2505652"/>
+          </a:xfrm>
+          <a:prstGeom prst="rect">
+            <a:avLst/>
+          </a:prstGeom>
+        </p:spPr>
+      </p:pic>
+      <p:sp>
+        <p:nvSpPr>
+          <p:cNvPr id="31" name="文字方塊 30">
+            <a:extLst>
+              <a:ext uri="{FF2B5EF4-FFF2-40B4-BE49-F238E27FC236}">
+                <a16:creationId xmlns:a16="http://schemas.microsoft.com/office/drawing/2014/main" id="{7E14167C-AEE5-9D29-37D9-6411F318FA7D}"/>
+              </a:ext>
+            </a:extLst>
+          </p:cNvPr>
+          <p:cNvSpPr txBox="1"/>
+          <p:nvPr/>
+        </p:nvSpPr>
+        <p:spPr>
+          <a:xfrm>
+            <a:off x="3814436" y="3712195"/>
+            <a:ext cx="4563127" cy="923330"/>
+          </a:xfrm>
+          <a:prstGeom prst="rect">
+            <a:avLst/>
+          </a:prstGeom>
+          <a:noFill/>
+        </p:spPr>
+        <p:txBody>
+          <a:bodyPr wrap="square">
+            <a:spAutoFit/>
+          </a:bodyPr>
+          <a:lstStyle/>
+          <a:p>
+            <a:r>
+              <a:rPr lang="zh-TW" altLang="en-US" dirty="0">
+                <a:hlinkClick r:id="rId6"/>
+              </a:rPr>
+              <a:t>https://www.delftstack.com/zh-tw/howto/docker/getting-a-docker-container-ip-address/#google_vignette</a:t>
+            </a:r>
+            <a:r>
+              <a:rPr lang="zh-TW" altLang="en-US" dirty="0"/>
+              <a:t> </a:t>
+            </a:r>
+          </a:p>
+        </p:txBody>
+      </p:sp>
+      <p:sp>
+        <p:nvSpPr>
+          <p:cNvPr id="32" name="文字方塊 31">
+            <a:extLst>
+              <a:ext uri="{FF2B5EF4-FFF2-40B4-BE49-F238E27FC236}">
+                <a16:creationId xmlns:a16="http://schemas.microsoft.com/office/drawing/2014/main" id="{5A3807E2-7842-B33E-C096-669844929321}"/>
+              </a:ext>
+            </a:extLst>
+          </p:cNvPr>
+          <p:cNvSpPr txBox="1"/>
+          <p:nvPr/>
+        </p:nvSpPr>
+        <p:spPr>
+          <a:xfrm>
+            <a:off x="6289754" y="549265"/>
+            <a:ext cx="4726259" cy="830997"/>
+          </a:xfrm>
+          <a:prstGeom prst="rect">
+            <a:avLst/>
+          </a:prstGeom>
+          <a:noFill/>
+        </p:spPr>
+        <p:txBody>
+          <a:bodyPr wrap="square" rtlCol="0">
+            <a:spAutoFit/>
+          </a:bodyPr>
+          <a:lstStyle/>
+          <a:p>
+            <a:r>
+              <a:rPr lang="zh-TW" altLang="en-US" sz="2400" b="1" dirty="0">
+                <a:solidFill>
+                  <a:srgbClr val="FF0000"/>
+                </a:solidFill>
+              </a:rPr>
+              <a:t>*</a:t>
+            </a:r>
+            <a:r>
+              <a:rPr lang="en-US" altLang="zh-TW" sz="2400" b="1" dirty="0">
+                <a:solidFill>
+                  <a:srgbClr val="FF0000"/>
+                </a:solidFill>
+              </a:rPr>
+              <a:t>*</a:t>
+            </a:r>
+            <a:r>
+              <a:rPr lang="zh-TW" altLang="en-US" sz="2400" b="1" dirty="0">
+                <a:solidFill>
+                  <a:srgbClr val="FF0000"/>
+                </a:solidFill>
+              </a:rPr>
+              <a:t>注意</a:t>
+            </a:r>
+            <a:r>
+              <a:rPr lang="en-US" altLang="zh-TW" sz="2400" b="1" dirty="0">
+                <a:solidFill>
+                  <a:srgbClr val="FF0000"/>
+                </a:solidFill>
+              </a:rPr>
+              <a:t>:</a:t>
+            </a:r>
+            <a:r>
+              <a:rPr lang="zh-TW" altLang="en-US" sz="2400" b="1" dirty="0">
+                <a:solidFill>
+                  <a:srgbClr val="FF0000"/>
+                </a:solidFill>
+              </a:rPr>
+              <a:t>如果要在不同主機執行，需在同一個網域</a:t>
+            </a:r>
+          </a:p>
+        </p:txBody>
+      </p:sp>
+    </p:spTree>
+    <p:extLst>
+      <p:ext uri="{BB962C8B-B14F-4D97-AF65-F5344CB8AC3E}">
+        <p14:creationId xmlns:p14="http://schemas.microsoft.com/office/powerpoint/2010/main" val="1850578468"/>
       </p:ext>
     </p:extLst>
   </p:cSld>
